--- a/SE499/Lectures/6/Testing.pptx
+++ b/SE499/Lectures/6/Testing.pptx
@@ -5,7 +5,7 @@
     <p:sldMasterId id="2147483648" r:id="rId1"/>
   </p:sldMasterIdLst>
   <p:notesMasterIdLst>
-    <p:notesMasterId r:id="rId14"/>
+    <p:notesMasterId r:id="rId15"/>
   </p:notesMasterIdLst>
   <p:sldIdLst>
     <p:sldId id="256" r:id="rId2"/>
@@ -20,6 +20,7 @@
     <p:sldId id="831" r:id="rId11"/>
     <p:sldId id="832" r:id="rId12"/>
     <p:sldId id="833" r:id="rId13"/>
+    <p:sldId id="834" r:id="rId14"/>
   </p:sldIdLst>
   <p:sldSz cx="12192000" cy="6858000"/>
   <p:notesSz cx="6858000" cy="9144000"/>
@@ -237,7 +238,7 @@
           <a:p>
             <a:fld id="{41DA9887-9249-49FD-809A-BACB264048C3}" type="datetimeFigureOut">
               <a:rPr lang="en-US" smtClean="0"/>
-              <a:t>9/10/2023</a:t>
+              <a:t>1/28/2024</a:t>
             </a:fld>
             <a:endParaRPr lang="en-US"/>
           </a:p>
@@ -639,7 +640,7 @@
           <a:p>
             <a:fld id="{EF213E56-3C1A-435A-851B-5B1F221C2038}" type="datetime1">
               <a:rPr lang="en-US" smtClean="0"/>
-              <a:t>9/10/2023</a:t>
+              <a:t>1/28/2024</a:t>
             </a:fld>
             <a:endParaRPr lang="en-US"/>
           </a:p>
@@ -918,7 +919,7 @@
           <a:p>
             <a:fld id="{B4696837-4851-4AA6-8AED-554226C981D1}" type="datetime1">
               <a:rPr lang="en-US" smtClean="0"/>
-              <a:t>9/10/2023</a:t>
+              <a:t>1/28/2024</a:t>
             </a:fld>
             <a:endParaRPr lang="en-US"/>
           </a:p>
@@ -1096,7 +1097,7 @@
           <a:p>
             <a:fld id="{BADD32E1-BB70-4827-BA33-FF5AFC435BE9}" type="datetime1">
               <a:rPr lang="en-US" smtClean="0"/>
-              <a:t>9/10/2023</a:t>
+              <a:t>1/28/2024</a:t>
             </a:fld>
             <a:endParaRPr lang="en-US"/>
           </a:p>
@@ -1195,10 +1196,9 @@
           <a:lstStyle/>
           <a:p>
             <a:r>
-              <a:rPr lang="en-US" smtClean="0"/>
+              <a:rPr lang="en-US"/>
               <a:t>Click to edit Master title style</a:t>
             </a:r>
-            <a:endParaRPr lang="en-US"/>
           </a:p>
         </p:txBody>
       </p:sp>
@@ -1224,38 +1224,37 @@
           <a:p>
             <a:pPr lvl="0"/>
             <a:r>
-              <a:rPr lang="en-US" smtClean="0"/>
+              <a:rPr lang="en-US"/>
               <a:t>Click to edit Master text styles</a:t>
             </a:r>
           </a:p>
           <a:p>
             <a:pPr lvl="1"/>
             <a:r>
-              <a:rPr lang="en-US" smtClean="0"/>
+              <a:rPr lang="en-US"/>
               <a:t>Second level</a:t>
             </a:r>
           </a:p>
           <a:p>
             <a:pPr lvl="2"/>
             <a:r>
-              <a:rPr lang="en-US" smtClean="0"/>
+              <a:rPr lang="en-US"/>
               <a:t>Third level</a:t>
             </a:r>
           </a:p>
           <a:p>
             <a:pPr lvl="3"/>
             <a:r>
-              <a:rPr lang="en-US" smtClean="0"/>
+              <a:rPr lang="en-US"/>
               <a:t>Fourth level</a:t>
             </a:r>
           </a:p>
           <a:p>
             <a:pPr lvl="4"/>
             <a:r>
-              <a:rPr lang="en-US" smtClean="0"/>
+              <a:rPr lang="en-US"/>
               <a:t>Fifth level</a:t>
             </a:r>
-            <a:endParaRPr lang="en-US"/>
           </a:p>
         </p:txBody>
       </p:sp>
@@ -1281,38 +1280,37 @@
           <a:p>
             <a:pPr lvl="0"/>
             <a:r>
-              <a:rPr lang="en-US" smtClean="0"/>
+              <a:rPr lang="en-US"/>
               <a:t>Click to edit Master text styles</a:t>
             </a:r>
           </a:p>
           <a:p>
             <a:pPr lvl="1"/>
             <a:r>
-              <a:rPr lang="en-US" smtClean="0"/>
+              <a:rPr lang="en-US"/>
               <a:t>Second level</a:t>
             </a:r>
           </a:p>
           <a:p>
             <a:pPr lvl="2"/>
             <a:r>
-              <a:rPr lang="en-US" smtClean="0"/>
+              <a:rPr lang="en-US"/>
               <a:t>Third level</a:t>
             </a:r>
           </a:p>
           <a:p>
             <a:pPr lvl="3"/>
             <a:r>
-              <a:rPr lang="en-US" smtClean="0"/>
+              <a:rPr lang="en-US"/>
               <a:t>Fourth level</a:t>
             </a:r>
           </a:p>
           <a:p>
             <a:pPr lvl="4"/>
             <a:r>
-              <a:rPr lang="en-US" smtClean="0"/>
+              <a:rPr lang="en-US"/>
               <a:t>Fifth level</a:t>
             </a:r>
-            <a:endParaRPr lang="en-US"/>
           </a:p>
         </p:txBody>
       </p:sp>
@@ -1342,7 +1340,7 @@
             </a:pPr>
             <a:fld id="{40B9EAF6-54F2-4DF5-9C6B-3F6F95B86356}" type="datetime1">
               <a:rPr lang="en-US" smtClean="0"/>
-              <a:t>9/10/2023</a:t>
+              <a:t>1/28/2024</a:t>
             </a:fld>
             <a:endParaRPr lang="en-US"/>
           </a:p>
@@ -1465,10 +1463,9 @@
           <a:lstStyle/>
           <a:p>
             <a:r>
-              <a:rPr lang="en-US" smtClean="0"/>
+              <a:rPr lang="en-US"/>
               <a:t>Click to edit Master title style</a:t>
             </a:r>
-            <a:endParaRPr lang="en-US"/>
           </a:p>
         </p:txBody>
       </p:sp>
@@ -1493,7 +1490,7 @@
           <a:lstStyle/>
           <a:p>
             <a:pPr lvl="0"/>
-            <a:endParaRPr lang="en-US" noProof="0" dirty="0" smtClean="0"/>
+            <a:endParaRPr lang="en-US" noProof="0" dirty="0"/>
           </a:p>
         </p:txBody>
       </p:sp>
@@ -1523,7 +1520,7 @@
             </a:pPr>
             <a:fld id="{D3D64A56-6FF4-479A-8655-719A18A98C4B}" type="datetime1">
               <a:rPr lang="en-US" smtClean="0"/>
-              <a:t>9/10/2023</a:t>
+              <a:t>1/28/2024</a:t>
             </a:fld>
             <a:endParaRPr lang="en-US"/>
           </a:p>
@@ -1801,7 +1798,7 @@
           <a:p>
             <a:fld id="{BB961044-FC46-4CBC-9061-59528F4899F3}" type="datetime1">
               <a:rPr lang="en-US" smtClean="0"/>
-              <a:t>9/10/2023</a:t>
+              <a:t>1/28/2024</a:t>
             </a:fld>
             <a:endParaRPr lang="en-US"/>
           </a:p>
@@ -2145,7 +2142,7 @@
           <a:p>
             <a:fld id="{4466A08C-77F3-471E-A5C4-1D2068144BAC}" type="datetime1">
               <a:rPr lang="en-US" smtClean="0"/>
-              <a:t>9/10/2023</a:t>
+              <a:t>1/28/2024</a:t>
             </a:fld>
             <a:endParaRPr lang="en-US"/>
           </a:p>
@@ -2374,7 +2371,7 @@
           <a:p>
             <a:fld id="{B90A7AD1-16F4-44C3-AE32-24C59A599E9D}" type="datetime1">
               <a:rPr lang="en-US" smtClean="0"/>
-              <a:t>9/10/2023</a:t>
+              <a:t>1/28/2024</a:t>
             </a:fld>
             <a:endParaRPr lang="en-US"/>
           </a:p>
@@ -2738,7 +2735,7 @@
           <a:p>
             <a:fld id="{B583DB4F-4316-4DF5-A229-BC1D787C82A0}" type="datetime1">
               <a:rPr lang="en-US" smtClean="0"/>
-              <a:t>9/10/2023</a:t>
+              <a:t>1/28/2024</a:t>
             </a:fld>
             <a:endParaRPr lang="en-US"/>
           </a:p>
@@ -2833,7 +2830,7 @@
           <a:p>
             <a:fld id="{AE6064B7-7A9F-432D-B7B9-6824267AA574}" type="datetime1">
               <a:rPr lang="en-US" smtClean="0"/>
-              <a:t>9/10/2023</a:t>
+              <a:t>1/28/2024</a:t>
             </a:fld>
             <a:endParaRPr lang="en-US"/>
           </a:p>
@@ -3055,7 +3052,7 @@
             <a:fld id="{B2F5E2FA-C428-4CE7-95B0-168D3259A5BB}" type="datetimeFigureOut">
               <a:rPr lang="en-US" smtClean="0"/>
               <a:pPr/>
-              <a:t>9/10/2023</a:t>
+              <a:t>1/28/2024</a:t>
             </a:fld>
             <a:endParaRPr lang="en-US"/>
           </a:p>
@@ -3226,7 +3223,7 @@
           <a:p>
             <a:fld id="{4E1C93A2-B712-486A-8AB5-D41B95D547BE}" type="datetime1">
               <a:rPr lang="en-US" smtClean="0"/>
-              <a:t>9/10/2023</a:t>
+              <a:t>1/28/2024</a:t>
             </a:fld>
             <a:endParaRPr lang="en-US"/>
           </a:p>
@@ -3501,7 +3498,7 @@
           <a:p>
             <a:fld id="{CAB2F318-F19F-4608-B7EF-F7FB8A482213}" type="datetime1">
               <a:rPr lang="en-US" smtClean="0"/>
-              <a:t>9/10/2023</a:t>
+              <a:t>1/28/2024</a:t>
             </a:fld>
             <a:endParaRPr lang="en-US"/>
           </a:p>
@@ -3753,7 +3750,7 @@
           <a:p>
             <a:fld id="{BB9CEF8C-69D6-4C3E-B892-F682F307A7B6}" type="datetime1">
               <a:rPr lang="en-US" smtClean="0"/>
-              <a:t>9/10/2023</a:t>
+              <a:t>1/28/2024</a:t>
             </a:fld>
             <a:endParaRPr lang="en-US"/>
           </a:p>
@@ -3964,7 +3961,7 @@
           <a:p>
             <a:fld id="{FB737C73-4A31-4C17-AFB7-7B8470027787}" type="datetime1">
               <a:rPr lang="en-US" smtClean="0"/>
-              <a:t>9/10/2023</a:t>
+              <a:t>1/28/2024</a:t>
             </a:fld>
             <a:endParaRPr lang="en-US"/>
           </a:p>
@@ -4071,13 +4068,6 @@
     <p:sldLayoutId id="2147483660" r:id="rId12"/>
     <p:sldLayoutId id="2147483661" r:id="rId13"/>
   </p:sldLayoutIdLst>
-  <p:timing>
-    <p:tnLst>
-      <p:par>
-        <p:cTn id="1" dur="indefinite" restart="never" nodeType="tmRoot"/>
-      </p:par>
-    </p:tnLst>
-  </p:timing>
   <p:hf hdr="0" ftr="0" dt="0"/>
   <p:txStyles>
     <p:titleStyle>
@@ -4400,10 +4390,9 @@
           <a:lstStyle/>
           <a:p>
             <a:r>
-              <a:rPr lang="en-US" dirty="0" smtClean="0"/>
+              <a:rPr lang="en-US" dirty="0"/>
               <a:t>Testing</a:t>
             </a:r>
-            <a:endParaRPr lang="en-US" dirty="0"/>
           </a:p>
         </p:txBody>
       </p:sp>
@@ -4430,12 +4419,8 @@
           <a:lstStyle/>
           <a:p>
             <a:r>
-              <a:rPr lang="en-US" sz="2800" dirty="0" smtClean="0"/>
-              <a:t>SE499</a:t>
-            </a:r>
-            <a:r>
               <a:rPr lang="en-US" sz="2800" dirty="0"/>
-              <a:t>: Software Design &amp; Development Project</a:t>
+              <a:t>SE499: Software Design &amp; Development Project</a:t>
             </a:r>
           </a:p>
         </p:txBody>
@@ -4473,13 +4458,6 @@
   <p:clrMapOvr>
     <a:masterClrMapping/>
   </p:clrMapOvr>
-  <p:timing>
-    <p:tnLst>
-      <p:par>
-        <p:cTn id="1" dur="indefinite" restart="never" nodeType="tmRoot"/>
-      </p:par>
-    </p:tnLst>
-  </p:timing>
 </p:sld>
 </file>
 
@@ -4538,12 +4516,8 @@
           <a:lstStyle/>
           <a:p>
             <a:r>
-              <a:rPr lang="en-US" dirty="0" smtClean="0"/>
-              <a:t>Testing </a:t>
-            </a:r>
-            <a:r>
               <a:rPr lang="en-US" dirty="0"/>
-              <a:t>in Agile environments is characterized by short iterations or sprints.</a:t>
+              <a:t>Testing in Agile environments is characterized by short iterations or sprints.</a:t>
             </a:r>
           </a:p>
           <a:p>
@@ -4863,6 +4837,167 @@
 </p:sld>
 </file>
 
+<file path=ppt/slides/slide13.xml><?xml version="1.0" encoding="utf-8"?>
+<p:sld xmlns:a="http://schemas.openxmlformats.org/drawingml/2006/main" xmlns:r="http://schemas.openxmlformats.org/officeDocument/2006/relationships" xmlns:p="http://schemas.openxmlformats.org/presentationml/2006/main">
+  <p:cSld>
+    <p:spTree>
+      <p:nvGrpSpPr>
+        <p:cNvPr id="1" name=""/>
+        <p:cNvGrpSpPr/>
+        <p:nvPr/>
+      </p:nvGrpSpPr>
+      <p:grpSpPr>
+        <a:xfrm>
+          <a:off x="0" y="0"/>
+          <a:ext cx="0" cy="0"/>
+          <a:chOff x="0" y="0"/>
+          <a:chExt cx="0" cy="0"/>
+        </a:xfrm>
+      </p:grpSpPr>
+      <p:sp>
+        <p:nvSpPr>
+          <p:cNvPr id="4" name="Slide Number Placeholder 3">
+            <a:extLst>
+              <a:ext uri="{FF2B5EF4-FFF2-40B4-BE49-F238E27FC236}">
+                <a16:creationId xmlns:a16="http://schemas.microsoft.com/office/drawing/2014/main" id="{49A118FB-77F9-4AE0-89E6-2C31218B058E}"/>
+              </a:ext>
+            </a:extLst>
+          </p:cNvPr>
+          <p:cNvSpPr>
+            <a:spLocks noGrp="1"/>
+          </p:cNvSpPr>
+          <p:nvPr>
+            <p:ph type="sldNum" sz="quarter" idx="12"/>
+          </p:nvPr>
+        </p:nvSpPr>
+        <p:spPr/>
+        <p:txBody>
+          <a:bodyPr/>
+          <a:lstStyle/>
+          <a:p>
+            <a:fld id="{B8DACC02-A2BD-4578-8E03-6D891060A695}" type="slidenum">
+              <a:rPr lang="en-US" smtClean="0"/>
+              <a:pPr/>
+              <a:t>13</a:t>
+            </a:fld>
+            <a:endParaRPr lang="en-US" dirty="0"/>
+          </a:p>
+        </p:txBody>
+      </p:sp>
+      <p:pic>
+        <p:nvPicPr>
+          <p:cNvPr id="2050" name="Picture 2" descr="ATDD + TDD">
+            <a:extLst>
+              <a:ext uri="{FF2B5EF4-FFF2-40B4-BE49-F238E27FC236}">
+                <a16:creationId xmlns:a16="http://schemas.microsoft.com/office/drawing/2014/main" id="{A0716527-A162-4F42-86BE-9C4F65849A87}"/>
+              </a:ext>
+            </a:extLst>
+          </p:cNvPr>
+          <p:cNvPicPr>
+            <a:picLocks noChangeAspect="1" noChangeArrowheads="1"/>
+          </p:cNvPicPr>
+          <p:nvPr/>
+        </p:nvPicPr>
+        <p:blipFill>
+          <a:blip r:embed="rId2">
+            <a:extLst>
+              <a:ext uri="{28A0092B-C50C-407E-A947-70E740481C1C}">
+                <a14:useLocalDpi xmlns:a14="http://schemas.microsoft.com/office/drawing/2010/main" val="0"/>
+              </a:ext>
+            </a:extLst>
+          </a:blip>
+          <a:srcRect/>
+          <a:stretch>
+            <a:fillRect/>
+          </a:stretch>
+        </p:blipFill>
+        <p:spPr bwMode="auto">
+          <a:xfrm>
+            <a:off x="2386013" y="0"/>
+            <a:ext cx="7418387" cy="6858000"/>
+          </a:xfrm>
+          <a:prstGeom prst="rect">
+            <a:avLst/>
+          </a:prstGeom>
+          <a:noFill/>
+          <a:extLst>
+            <a:ext uri="{909E8E84-426E-40DD-AFC4-6F175D3DCCD1}">
+              <a14:hiddenFill xmlns:a14="http://schemas.microsoft.com/office/drawing/2010/main">
+                <a:solidFill>
+                  <a:srgbClr val="FFFFFF"/>
+                </a:solidFill>
+              </a14:hiddenFill>
+            </a:ext>
+          </a:extLst>
+        </p:spPr>
+      </p:pic>
+      <p:sp>
+        <p:nvSpPr>
+          <p:cNvPr id="6" name="Rectangle 5">
+            <a:extLst>
+              <a:ext uri="{FF2B5EF4-FFF2-40B4-BE49-F238E27FC236}">
+                <a16:creationId xmlns:a16="http://schemas.microsoft.com/office/drawing/2014/main" id="{5F9EDD57-57EC-4301-98F7-20F8F6721E5C}"/>
+              </a:ext>
+            </a:extLst>
+          </p:cNvPr>
+          <p:cNvSpPr/>
+          <p:nvPr/>
+        </p:nvSpPr>
+        <p:spPr>
+          <a:xfrm>
+            <a:off x="7168896" y="0"/>
+            <a:ext cx="3419856" cy="1060704"/>
+          </a:xfrm>
+          <a:prstGeom prst="rect">
+            <a:avLst/>
+          </a:prstGeom>
+          <a:solidFill>
+            <a:schemeClr val="bg1"/>
+          </a:solidFill>
+          <a:ln>
+            <a:solidFill>
+              <a:schemeClr val="bg1"/>
+            </a:solidFill>
+          </a:ln>
+        </p:spPr>
+        <p:style>
+          <a:lnRef idx="2">
+            <a:schemeClr val="accent1">
+              <a:shade val="50000"/>
+            </a:schemeClr>
+          </a:lnRef>
+          <a:fillRef idx="1">
+            <a:schemeClr val="accent1"/>
+          </a:fillRef>
+          <a:effectRef idx="0">
+            <a:schemeClr val="accent1"/>
+          </a:effectRef>
+          <a:fontRef idx="minor">
+            <a:schemeClr val="lt1"/>
+          </a:fontRef>
+        </p:style>
+        <p:txBody>
+          <a:bodyPr rtlCol="0" anchor="ctr"/>
+          <a:lstStyle/>
+          <a:p>
+            <a:pPr algn="ctr"/>
+            <a:endParaRPr lang="en-US"/>
+          </a:p>
+        </p:txBody>
+      </p:sp>
+    </p:spTree>
+    <p:extLst>
+      <p:ext uri="{BB962C8B-B14F-4D97-AF65-F5344CB8AC3E}">
+        <p14:creationId xmlns:p14="http://schemas.microsoft.com/office/powerpoint/2010/main" val="854978156"/>
+      </p:ext>
+    </p:extLst>
+  </p:cSld>
+  <p:clrMapOvr>
+    <a:masterClrMapping/>
+  </p:clrMapOvr>
+</p:sld>
+</file>
+
 <file path=ppt/slides/slide2.xml><?xml version="1.0" encoding="utf-8"?>
 <p:sld xmlns:a="http://schemas.openxmlformats.org/drawingml/2006/main" xmlns:r="http://schemas.openxmlformats.org/officeDocument/2006/relationships" xmlns:p="http://schemas.openxmlformats.org/presentationml/2006/main">
   <p:cSld>
@@ -4925,23 +5060,14 @@
           <a:p>
             <a:r>
               <a:rPr lang="en-US" dirty="0"/>
-              <a:t>It involves evaluating software components and systems to identify defects, errors, and potential issues before deployment</a:t>
-            </a:r>
-            <a:r>
-              <a:rPr lang="en-US" dirty="0" smtClean="0"/>
-              <a:t>.</a:t>
+              <a:t>It involves evaluating software components and systems to identify defects, errors, and potential issues before deployment.</a:t>
             </a:r>
           </a:p>
           <a:p>
             <a:r>
               <a:rPr lang="en-US" dirty="0"/>
-              <a:t>Testing helps maintain and improve the overall quality of software by identifying and fixing bugs, glitches, and errors</a:t>
-            </a:r>
-            <a:r>
-              <a:rPr lang="en-US" dirty="0" smtClean="0"/>
-              <a:t>.</a:t>
-            </a:r>
-            <a:endParaRPr lang="en-US" dirty="0"/>
+              <a:t>Testing helps maintain and improve the overall quality of software by identifying and fixing bugs, glitches, and errors.</a:t>
+            </a:r>
           </a:p>
         </p:txBody>
       </p:sp>
@@ -5037,30 +5163,14 @@
           <a:lstStyle/>
           <a:p>
             <a:r>
-              <a:rPr lang="en-US" dirty="0" smtClean="0"/>
-              <a:t>It </a:t>
-            </a:r>
-            <a:r>
               <a:rPr lang="en-US" dirty="0"/>
-              <a:t>ensures that the software meets the specified requirements and functions as intended.</a:t>
+              <a:t>It ensures that the software meets the specified requirements and functions as intended.</a:t>
             </a:r>
           </a:p>
           <a:p>
             <a:r>
               <a:rPr lang="en-US" dirty="0"/>
-              <a:t>Quality software is essential for customer satisfaction, user adoption, and building a </a:t>
-            </a:r>
-            <a:r>
-              <a:rPr lang="en-US" dirty="0" smtClean="0"/>
-              <a:t>positive </a:t>
-            </a:r>
-            <a:r>
-              <a:rPr lang="en-US" dirty="0"/>
-              <a:t>reputation for the development team or organization</a:t>
-            </a:r>
-            <a:r>
-              <a:rPr lang="en-US" dirty="0" smtClean="0"/>
-              <a:t>.</a:t>
+              <a:t>Quality software is essential for customer satisfaction, user adoption, and building a positive reputation for the development team or organization.</a:t>
             </a:r>
           </a:p>
           <a:p>
@@ -5111,13 +5221,6 @@
   <p:clrMapOvr>
     <a:masterClrMapping/>
   </p:clrMapOvr>
-  <p:timing>
-    <p:tnLst>
-      <p:par>
-        <p:cTn id="1" dur="indefinite" restart="never" nodeType="tmRoot"/>
-      </p:par>
-    </p:tnLst>
-  </p:timing>
 </p:sld>
 </file>
 
@@ -5211,13 +5314,6 @@
   <p:clrMapOvr>
     <a:masterClrMapping/>
   </p:clrMapOvr>
-  <p:timing>
-    <p:tnLst>
-      <p:par>
-        <p:cTn id="1" dur="indefinite" restart="never" nodeType="tmRoot"/>
-      </p:par>
-    </p:tnLst>
-  </p:timing>
 </p:sld>
 </file>
 
@@ -5262,25 +5358,6 @@
       </p:sp>
       <p:sp>
         <p:nvSpPr>
-          <p:cNvPr id="3" name="Content Placeholder 2"/>
-          <p:cNvSpPr>
-            <a:spLocks noGrp="1"/>
-          </p:cNvSpPr>
-          <p:nvPr>
-            <p:ph idx="1"/>
-          </p:nvPr>
-        </p:nvSpPr>
-        <p:spPr/>
-        <p:txBody>
-          <a:bodyPr/>
-          <a:lstStyle/>
-          <a:p>
-            <a:endParaRPr lang="en-US"/>
-          </a:p>
-        </p:txBody>
-      </p:sp>
-      <p:sp>
-        <p:nvSpPr>
           <p:cNvPr id="4" name="Slide Number Placeholder 3"/>
           <p:cNvSpPr>
             <a:spLocks noGrp="1"/>
@@ -5305,13 +5382,19 @@
       </p:sp>
       <p:pic>
         <p:nvPicPr>
-          <p:cNvPr id="2050" name="Picture 2" descr="Black Box, Grey Box, White Box Testing |"/>
+          <p:cNvPr id="1026" name="Picture 2" descr="Gray Box Testing - Meaning, Techniques and Examples">
+            <a:extLst>
+              <a:ext uri="{FF2B5EF4-FFF2-40B4-BE49-F238E27FC236}">
+                <a16:creationId xmlns:a16="http://schemas.microsoft.com/office/drawing/2014/main" id="{B19C23C7-9170-434B-9186-2D2560479AE4}"/>
+              </a:ext>
+            </a:extLst>
+          </p:cNvPr>
           <p:cNvPicPr>
             <a:picLocks noChangeAspect="1" noChangeArrowheads="1"/>
           </p:cNvPicPr>
           <p:nvPr/>
         </p:nvPicPr>
-        <p:blipFill>
+        <p:blipFill rotWithShape="1">
           <a:blip r:embed="rId2">
             <a:extLst>
               <a:ext uri="{28A0092B-C50C-407E-A947-70E740481C1C}">
@@ -5319,15 +5402,13 @@
               </a:ext>
             </a:extLst>
           </a:blip>
-          <a:srcRect/>
-          <a:stretch>
-            <a:fillRect/>
-          </a:stretch>
+          <a:srcRect t="15823" b="10641"/>
+          <a:stretch/>
         </p:blipFill>
         <p:spPr bwMode="auto">
           <a:xfrm>
-            <a:off x="2615321" y="2594062"/>
-            <a:ext cx="7115175" cy="2371726"/>
+            <a:off x="1809750" y="1772227"/>
+            <a:ext cx="8572500" cy="3502152"/>
           </a:xfrm>
           <a:prstGeom prst="rect">
             <a:avLst/>
@@ -5354,13 +5435,6 @@
   <p:clrMapOvr>
     <a:masterClrMapping/>
   </p:clrMapOvr>
-  <p:timing>
-    <p:tnLst>
-      <p:par>
-        <p:cTn id="1" dur="indefinite" restart="never" nodeType="tmRoot"/>
-      </p:par>
-    </p:tnLst>
-  </p:timing>
 </p:sld>
 </file>
 
@@ -5419,34 +5493,33 @@
           <a:lstStyle/>
           <a:p>
             <a:r>
-              <a:rPr lang="en-US" dirty="0" smtClean="0"/>
+              <a:rPr lang="en-US" dirty="0"/>
               <a:t>Test plan</a:t>
             </a:r>
           </a:p>
           <a:p>
             <a:r>
-              <a:rPr lang="en-US" dirty="0" smtClean="0"/>
+              <a:rPr lang="en-US" dirty="0"/>
               <a:t>Test case</a:t>
             </a:r>
           </a:p>
           <a:p>
             <a:r>
-              <a:rPr lang="en-US" dirty="0" smtClean="0"/>
+              <a:rPr lang="en-US" dirty="0"/>
               <a:t>Test script</a:t>
             </a:r>
           </a:p>
           <a:p>
             <a:r>
-              <a:rPr lang="en-US" dirty="0" smtClean="0"/>
+              <a:rPr lang="en-US" dirty="0"/>
               <a:t>Test scenario</a:t>
             </a:r>
           </a:p>
           <a:p>
             <a:r>
-              <a:rPr lang="en-US" dirty="0" smtClean="0"/>
+              <a:rPr lang="en-US" dirty="0"/>
               <a:t>Test suite</a:t>
             </a:r>
-            <a:endParaRPr lang="en-US" dirty="0"/>
           </a:p>
         </p:txBody>
       </p:sp>
@@ -5520,10 +5593,9 @@
           <a:lstStyle/>
           <a:p>
             <a:r>
-              <a:rPr lang="en-US" dirty="0" smtClean="0"/>
+              <a:rPr lang="en-US" dirty="0"/>
               <a:t>Important Concepts</a:t>
             </a:r>
-            <a:endParaRPr lang="en-US" dirty="0"/>
           </a:p>
         </p:txBody>
       </p:sp>
@@ -5544,77 +5616,45 @@
           <a:p>
             <a:r>
               <a:rPr lang="en-US" dirty="0"/>
-              <a:t>Test Data </a:t>
-            </a:r>
-            <a:r>
-              <a:rPr lang="en-US" dirty="0" smtClean="0"/>
-              <a:t>Management</a:t>
+              <a:t>Test Data Management</a:t>
             </a:r>
           </a:p>
           <a:p>
             <a:r>
               <a:rPr lang="en-US" dirty="0"/>
-              <a:t>Test </a:t>
-            </a:r>
-            <a:r>
-              <a:rPr lang="en-US" dirty="0" smtClean="0"/>
-              <a:t>Automation</a:t>
+              <a:t>Test Automation</a:t>
             </a:r>
           </a:p>
           <a:p>
             <a:r>
               <a:rPr lang="en-US" dirty="0"/>
-              <a:t>Testing Challenges and </a:t>
-            </a:r>
-            <a:r>
-              <a:rPr lang="en-US" dirty="0" smtClean="0"/>
-              <a:t>Strategies</a:t>
+              <a:t>Testing Challenges and Strategies</a:t>
             </a:r>
           </a:p>
           <a:p>
             <a:pPr lvl="1"/>
             <a:r>
-              <a:rPr lang="en-US" dirty="0" smtClean="0"/>
-              <a:t>Challenges </a:t>
-            </a:r>
-            <a:r>
               <a:rPr lang="en-US" dirty="0"/>
-              <a:t>in testing (e.g. time constraints, complex systems, etc.)</a:t>
+              <a:t>Challenges in testing (e.g. time constraints, complex systems, etc.)</a:t>
             </a:r>
           </a:p>
           <a:p>
             <a:pPr lvl="1"/>
             <a:r>
-              <a:rPr lang="en-US" dirty="0" smtClean="0"/>
-              <a:t>Strategies </a:t>
-            </a:r>
-            <a:r>
               <a:rPr lang="en-US" dirty="0"/>
-              <a:t>for addressing testing challenges (e.g. risk-based testing, testing in Agile, etc</a:t>
-            </a:r>
-            <a:r>
-              <a:rPr lang="en-US" dirty="0" smtClean="0"/>
-              <a:t>.)</a:t>
+              <a:t>Strategies for addressing testing challenges (e.g. risk-based testing, testing in Agile, etc.)</a:t>
             </a:r>
           </a:p>
           <a:p>
             <a:r>
               <a:rPr lang="en-US" dirty="0"/>
-              <a:t>Testing for Security and </a:t>
-            </a:r>
-            <a:r>
-              <a:rPr lang="en-US" dirty="0" smtClean="0"/>
-              <a:t>Performance</a:t>
+              <a:t>Testing for Security and Performance</a:t>
             </a:r>
           </a:p>
           <a:p>
             <a:r>
               <a:rPr lang="en-US" dirty="0"/>
-              <a:t>Testing Metrics and </a:t>
-            </a:r>
-            <a:r>
-              <a:rPr lang="en-US" dirty="0" smtClean="0"/>
-              <a:t>Analysis</a:t>
+              <a:t>Testing Metrics and Analysis</a:t>
             </a:r>
           </a:p>
           <a:p>
@@ -5717,32 +5757,20 @@
           <a:lstStyle/>
           <a:p>
             <a:r>
-              <a:rPr lang="en-US" dirty="0" smtClean="0"/>
-              <a:t>Role </a:t>
-            </a:r>
-            <a:r>
               <a:rPr lang="en-US" dirty="0"/>
-              <a:t>of testing in Agile development</a:t>
-            </a:r>
-          </a:p>
-          <a:p>
-            <a:r>
-              <a:rPr lang="en-US" dirty="0" smtClean="0"/>
-              <a:t>Testing </a:t>
-            </a:r>
+              <a:t>Role of testing in Agile development</a:t>
+            </a:r>
+          </a:p>
+          <a:p>
             <a:r>
               <a:rPr lang="en-US" dirty="0"/>
-              <a:t>in Agile environments</a:t>
-            </a:r>
-          </a:p>
-          <a:p>
-            <a:r>
-              <a:rPr lang="en-US" dirty="0" smtClean="0"/>
-              <a:t>Acceptance </a:t>
-            </a:r>
+              <a:t>Testing in Agile environments</a:t>
+            </a:r>
+          </a:p>
+          <a:p>
             <a:r>
               <a:rPr lang="en-US" dirty="0"/>
-              <a:t>Test-Driven Development (ATDD)</a:t>
+              <a:t>Acceptance Test-Driven Development (ATDD)</a:t>
             </a:r>
           </a:p>
         </p:txBody>

--- a/SE499/Lectures/6/Testing.pptx
+++ b/SE499/Lectures/6/Testing.pptx
@@ -5,22 +5,29 @@
     <p:sldMasterId id="2147483648" r:id="rId1"/>
   </p:sldMasterIdLst>
   <p:notesMasterIdLst>
-    <p:notesMasterId r:id="rId15"/>
+    <p:notesMasterId r:id="rId22"/>
   </p:notesMasterIdLst>
   <p:sldIdLst>
     <p:sldId id="256" r:id="rId2"/>
     <p:sldId id="809" r:id="rId3"/>
     <p:sldId id="824" r:id="rId4"/>
-    <p:sldId id="825" r:id="rId5"/>
-    <p:sldId id="826" r:id="rId6"/>
-    <p:sldId id="827" r:id="rId7"/>
-    <p:sldId id="828" r:id="rId8"/>
-    <p:sldId id="829" r:id="rId9"/>
-    <p:sldId id="830" r:id="rId10"/>
-    <p:sldId id="831" r:id="rId11"/>
-    <p:sldId id="832" r:id="rId12"/>
-    <p:sldId id="833" r:id="rId13"/>
-    <p:sldId id="834" r:id="rId14"/>
+    <p:sldId id="835" r:id="rId5"/>
+    <p:sldId id="836" r:id="rId6"/>
+    <p:sldId id="837" r:id="rId7"/>
+    <p:sldId id="838" r:id="rId8"/>
+    <p:sldId id="825" r:id="rId9"/>
+    <p:sldId id="826" r:id="rId10"/>
+    <p:sldId id="827" r:id="rId11"/>
+    <p:sldId id="828" r:id="rId12"/>
+    <p:sldId id="829" r:id="rId13"/>
+    <p:sldId id="830" r:id="rId14"/>
+    <p:sldId id="831" r:id="rId15"/>
+    <p:sldId id="832" r:id="rId16"/>
+    <p:sldId id="833" r:id="rId17"/>
+    <p:sldId id="834" r:id="rId18"/>
+    <p:sldId id="839" r:id="rId19"/>
+    <p:sldId id="840" r:id="rId20"/>
+    <p:sldId id="841" r:id="rId21"/>
   </p:sldIdLst>
   <p:sldSz cx="12192000" cy="6858000"/>
   <p:notesSz cx="6858000" cy="9144000"/>
@@ -238,7 +245,7 @@
           <a:p>
             <a:fld id="{41DA9887-9249-49FD-809A-BACB264048C3}" type="datetimeFigureOut">
               <a:rPr lang="en-US" smtClean="0"/>
-              <a:t>1/28/2024</a:t>
+              <a:t>3/4/2024</a:t>
             </a:fld>
             <a:endParaRPr lang="en-US"/>
           </a:p>
@@ -640,7 +647,7 @@
           <a:p>
             <a:fld id="{EF213E56-3C1A-435A-851B-5B1F221C2038}" type="datetime1">
               <a:rPr lang="en-US" smtClean="0"/>
-              <a:t>1/28/2024</a:t>
+              <a:t>3/4/2024</a:t>
             </a:fld>
             <a:endParaRPr lang="en-US"/>
           </a:p>
@@ -919,7 +926,7 @@
           <a:p>
             <a:fld id="{B4696837-4851-4AA6-8AED-554226C981D1}" type="datetime1">
               <a:rPr lang="en-US" smtClean="0"/>
-              <a:t>1/28/2024</a:t>
+              <a:t>3/4/2024</a:t>
             </a:fld>
             <a:endParaRPr lang="en-US"/>
           </a:p>
@@ -1097,7 +1104,7 @@
           <a:p>
             <a:fld id="{BADD32E1-BB70-4827-BA33-FF5AFC435BE9}" type="datetime1">
               <a:rPr lang="en-US" smtClean="0"/>
-              <a:t>1/28/2024</a:t>
+              <a:t>3/4/2024</a:t>
             </a:fld>
             <a:endParaRPr lang="en-US"/>
           </a:p>
@@ -1340,7 +1347,7 @@
             </a:pPr>
             <a:fld id="{40B9EAF6-54F2-4DF5-9C6B-3F6F95B86356}" type="datetime1">
               <a:rPr lang="en-US" smtClean="0"/>
-              <a:t>1/28/2024</a:t>
+              <a:t>3/4/2024</a:t>
             </a:fld>
             <a:endParaRPr lang="en-US"/>
           </a:p>
@@ -1520,7 +1527,7 @@
             </a:pPr>
             <a:fld id="{D3D64A56-6FF4-479A-8655-719A18A98C4B}" type="datetime1">
               <a:rPr lang="en-US" smtClean="0"/>
-              <a:t>1/28/2024</a:t>
+              <a:t>3/4/2024</a:t>
             </a:fld>
             <a:endParaRPr lang="en-US"/>
           </a:p>
@@ -1798,7 +1805,7 @@
           <a:p>
             <a:fld id="{BB961044-FC46-4CBC-9061-59528F4899F3}" type="datetime1">
               <a:rPr lang="en-US" smtClean="0"/>
-              <a:t>1/28/2024</a:t>
+              <a:t>3/4/2024</a:t>
             </a:fld>
             <a:endParaRPr lang="en-US"/>
           </a:p>
@@ -2142,7 +2149,7 @@
           <a:p>
             <a:fld id="{4466A08C-77F3-471E-A5C4-1D2068144BAC}" type="datetime1">
               <a:rPr lang="en-US" smtClean="0"/>
-              <a:t>1/28/2024</a:t>
+              <a:t>3/4/2024</a:t>
             </a:fld>
             <a:endParaRPr lang="en-US"/>
           </a:p>
@@ -2371,7 +2378,7 @@
           <a:p>
             <a:fld id="{B90A7AD1-16F4-44C3-AE32-24C59A599E9D}" type="datetime1">
               <a:rPr lang="en-US" smtClean="0"/>
-              <a:t>1/28/2024</a:t>
+              <a:t>3/4/2024</a:t>
             </a:fld>
             <a:endParaRPr lang="en-US"/>
           </a:p>
@@ -2735,7 +2742,7 @@
           <a:p>
             <a:fld id="{B583DB4F-4316-4DF5-A229-BC1D787C82A0}" type="datetime1">
               <a:rPr lang="en-US" smtClean="0"/>
-              <a:t>1/28/2024</a:t>
+              <a:t>3/4/2024</a:t>
             </a:fld>
             <a:endParaRPr lang="en-US"/>
           </a:p>
@@ -2830,7 +2837,7 @@
           <a:p>
             <a:fld id="{AE6064B7-7A9F-432D-B7B9-6824267AA574}" type="datetime1">
               <a:rPr lang="en-US" smtClean="0"/>
-              <a:t>1/28/2024</a:t>
+              <a:t>3/4/2024</a:t>
             </a:fld>
             <a:endParaRPr lang="en-US"/>
           </a:p>
@@ -3052,7 +3059,7 @@
             <a:fld id="{B2F5E2FA-C428-4CE7-95B0-168D3259A5BB}" type="datetimeFigureOut">
               <a:rPr lang="en-US" smtClean="0"/>
               <a:pPr/>
-              <a:t>1/28/2024</a:t>
+              <a:t>3/4/2024</a:t>
             </a:fld>
             <a:endParaRPr lang="en-US"/>
           </a:p>
@@ -3223,7 +3230,7 @@
           <a:p>
             <a:fld id="{4E1C93A2-B712-486A-8AB5-D41B95D547BE}" type="datetime1">
               <a:rPr lang="en-US" smtClean="0"/>
-              <a:t>1/28/2024</a:t>
+              <a:t>3/4/2024</a:t>
             </a:fld>
             <a:endParaRPr lang="en-US"/>
           </a:p>
@@ -3498,7 +3505,7 @@
           <a:p>
             <a:fld id="{CAB2F318-F19F-4608-B7EF-F7FB8A482213}" type="datetime1">
               <a:rPr lang="en-US" smtClean="0"/>
-              <a:t>1/28/2024</a:t>
+              <a:t>3/4/2024</a:t>
             </a:fld>
             <a:endParaRPr lang="en-US"/>
           </a:p>
@@ -3750,7 +3757,7 @@
           <a:p>
             <a:fld id="{BB9CEF8C-69D6-4C3E-B892-F682F307A7B6}" type="datetime1">
               <a:rPr lang="en-US" smtClean="0"/>
-              <a:t>1/28/2024</a:t>
+              <a:t>3/4/2024</a:t>
             </a:fld>
             <a:endParaRPr lang="en-US"/>
           </a:p>
@@ -3961,7 +3968,7 @@
           <a:p>
             <a:fld id="{FB737C73-4A31-4C17-AFB7-7B8470027787}" type="datetime1">
               <a:rPr lang="en-US" smtClean="0"/>
-              <a:t>1/28/2024</a:t>
+              <a:t>3/4/2024</a:t>
             </a:fld>
             <a:endParaRPr lang="en-US"/>
           </a:p>
@@ -4495,7 +4502,7 @@
           <a:p>
             <a:r>
               <a:rPr lang="en-US" dirty="0"/>
-              <a:t>Testing in Agile Environments</a:t>
+              <a:t>Test Planning and Design</a:t>
             </a:r>
           </a:p>
         </p:txBody>
@@ -4517,25 +4524,31 @@
           <a:p>
             <a:r>
               <a:rPr lang="en-US" dirty="0"/>
-              <a:t>Testing in Agile environments is characterized by short iterations or sprints.</a:t>
-            </a:r>
-          </a:p>
-          <a:p>
-            <a:r>
-              <a:rPr lang="en-US" dirty="0"/>
-              <a:t>Testers work closely with the development team to define and prioritize test cases.</a:t>
-            </a:r>
-          </a:p>
-          <a:p>
-            <a:r>
-              <a:rPr lang="en-US" dirty="0"/>
-              <a:t>Automated testing is heavily utilized to support frequent and rapid testing cycles.</a:t>
-            </a:r>
-          </a:p>
-          <a:p>
-            <a:r>
-              <a:rPr lang="en-US" dirty="0"/>
-              <a:t>Continuous integration and continuous delivery (CI/CD) pipelines are used to automate the testing and deployment processes.</a:t>
+              <a:t>Test plan</a:t>
+            </a:r>
+          </a:p>
+          <a:p>
+            <a:r>
+              <a:rPr lang="en-US" dirty="0"/>
+              <a:t>Test case</a:t>
+            </a:r>
+          </a:p>
+          <a:p>
+            <a:r>
+              <a:rPr lang="en-US" dirty="0"/>
+              <a:t>Test script</a:t>
+            </a:r>
+          </a:p>
+          <a:p>
+            <a:r>
+              <a:rPr lang="en-US" dirty="0"/>
+              <a:t>Test scenario</a:t>
+            </a:r>
+          </a:p>
+          <a:p>
+            <a:r>
+              <a:rPr lang="en-US" dirty="0"/>
+              <a:t>Test suite</a:t>
             </a:r>
           </a:p>
         </p:txBody>
@@ -4567,7 +4580,7 @@
     </p:spTree>
     <p:extLst>
       <p:ext uri="{BB962C8B-B14F-4D97-AF65-F5344CB8AC3E}">
-        <p14:creationId xmlns:p14="http://schemas.microsoft.com/office/powerpoint/2010/main" val="850581310"/>
+        <p14:creationId xmlns:p14="http://schemas.microsoft.com/office/powerpoint/2010/main" val="1699242269"/>
       </p:ext>
     </p:extLst>
   </p:cSld>
@@ -4611,7 +4624,7 @@
           <a:p>
             <a:r>
               <a:rPr lang="en-US" dirty="0"/>
-              <a:t>Acceptance Test-Driven Development (ATDD)</a:t>
+              <a:t>Important Concepts</a:t>
             </a:r>
           </a:p>
         </p:txBody>
@@ -4633,25 +4646,51 @@
           <a:p>
             <a:r>
               <a:rPr lang="en-US" dirty="0"/>
-              <a:t>ATDD is a practice in Agile development that involves defining acceptance criteria before coding begins.</a:t>
-            </a:r>
-          </a:p>
-          <a:p>
-            <a:r>
-              <a:rPr lang="en-US" dirty="0"/>
-              <a:t>It promotes collaboration between stakeholders, testers, and developers to clarify requirements.</a:t>
-            </a:r>
-          </a:p>
-          <a:p>
-            <a:r>
-              <a:rPr lang="en-US" dirty="0"/>
-              <a:t>Acceptance tests, written in a business-readable format, guide the development process.</a:t>
-            </a:r>
-          </a:p>
-          <a:p>
-            <a:r>
-              <a:rPr lang="en-US" dirty="0"/>
-              <a:t>ATDD helps ensure that software meets the desired business outcomes and improves customer satisfaction.</a:t>
+              <a:t>Test Data Management</a:t>
+            </a:r>
+          </a:p>
+          <a:p>
+            <a:r>
+              <a:rPr lang="en-US" dirty="0"/>
+              <a:t>Test Automation</a:t>
+            </a:r>
+          </a:p>
+          <a:p>
+            <a:r>
+              <a:rPr lang="en-US" dirty="0"/>
+              <a:t>Testing Challenges and Strategies</a:t>
+            </a:r>
+          </a:p>
+          <a:p>
+            <a:pPr lvl="1"/>
+            <a:r>
+              <a:rPr lang="en-US" dirty="0"/>
+              <a:t>Challenges in testing (e.g. time constraints, complex systems, etc.)</a:t>
+            </a:r>
+          </a:p>
+          <a:p>
+            <a:pPr lvl="1"/>
+            <a:r>
+              <a:rPr lang="en-US" dirty="0"/>
+              <a:t>Strategies for addressing testing challenges (e.g. risk-based testing, testing in Agile, etc.)</a:t>
+            </a:r>
+          </a:p>
+          <a:p>
+            <a:r>
+              <a:rPr lang="en-US" dirty="0"/>
+              <a:t>Testing for Security and Performance</a:t>
+            </a:r>
+          </a:p>
+          <a:p>
+            <a:r>
+              <a:rPr lang="en-US" dirty="0"/>
+              <a:t>Testing Metrics and Analysis</a:t>
+            </a:r>
+          </a:p>
+          <a:p>
+            <a:r>
+              <a:rPr lang="en-US" dirty="0"/>
+              <a:t>Best Practices for Testing</a:t>
             </a:r>
           </a:p>
         </p:txBody>
@@ -4683,7 +4722,7 @@
     </p:spTree>
     <p:extLst>
       <p:ext uri="{BB962C8B-B14F-4D97-AF65-F5344CB8AC3E}">
-        <p14:creationId xmlns:p14="http://schemas.microsoft.com/office/powerpoint/2010/main" val="1463101418"/>
+        <p14:creationId xmlns:p14="http://schemas.microsoft.com/office/powerpoint/2010/main" val="1712929932"/>
       </p:ext>
     </p:extLst>
   </p:cSld>
@@ -4727,6 +4766,40 @@
           <a:p>
             <a:r>
               <a:rPr lang="en-US" dirty="0"/>
+              <a:t>Testing in Agile</a:t>
+            </a:r>
+          </a:p>
+        </p:txBody>
+      </p:sp>
+      <p:sp>
+        <p:nvSpPr>
+          <p:cNvPr id="3" name="Content Placeholder 2"/>
+          <p:cNvSpPr>
+            <a:spLocks noGrp="1"/>
+          </p:cNvSpPr>
+          <p:nvPr>
+            <p:ph idx="1"/>
+          </p:nvPr>
+        </p:nvSpPr>
+        <p:spPr/>
+        <p:txBody>
+          <a:bodyPr/>
+          <a:lstStyle/>
+          <a:p>
+            <a:r>
+              <a:rPr lang="en-US" dirty="0"/>
+              <a:t>Role of testing in Agile development</a:t>
+            </a:r>
+          </a:p>
+          <a:p>
+            <a:r>
+              <a:rPr lang="en-US" dirty="0"/>
+              <a:t>Testing in Agile environments</a:t>
+            </a:r>
+          </a:p>
+          <a:p>
+            <a:r>
+              <a:rPr lang="en-US" dirty="0"/>
               <a:t>Acceptance Test-Driven Development (ATDD)</a:t>
             </a:r>
           </a:p>
@@ -4751,6 +4824,430 @@
               <a:rPr lang="en-US" smtClean="0"/>
               <a:pPr/>
               <a:t>12</a:t>
+            </a:fld>
+            <a:endParaRPr lang="en-US" dirty="0"/>
+          </a:p>
+        </p:txBody>
+      </p:sp>
+    </p:spTree>
+    <p:extLst>
+      <p:ext uri="{BB962C8B-B14F-4D97-AF65-F5344CB8AC3E}">
+        <p14:creationId xmlns:p14="http://schemas.microsoft.com/office/powerpoint/2010/main" val="4229945762"/>
+      </p:ext>
+    </p:extLst>
+  </p:cSld>
+  <p:clrMapOvr>
+    <a:masterClrMapping/>
+  </p:clrMapOvr>
+</p:sld>
+</file>
+
+<file path=ppt/slides/slide13.xml><?xml version="1.0" encoding="utf-8"?>
+<p:sld xmlns:a="http://schemas.openxmlformats.org/drawingml/2006/main" xmlns:r="http://schemas.openxmlformats.org/officeDocument/2006/relationships" xmlns:p="http://schemas.openxmlformats.org/presentationml/2006/main">
+  <p:cSld>
+    <p:spTree>
+      <p:nvGrpSpPr>
+        <p:cNvPr id="1" name=""/>
+        <p:cNvGrpSpPr/>
+        <p:nvPr/>
+      </p:nvGrpSpPr>
+      <p:grpSpPr>
+        <a:xfrm>
+          <a:off x="0" y="0"/>
+          <a:ext cx="0" cy="0"/>
+          <a:chOff x="0" y="0"/>
+          <a:chExt cx="0" cy="0"/>
+        </a:xfrm>
+      </p:grpSpPr>
+      <p:sp>
+        <p:nvSpPr>
+          <p:cNvPr id="2" name="Title 1"/>
+          <p:cNvSpPr>
+            <a:spLocks noGrp="1"/>
+          </p:cNvSpPr>
+          <p:nvPr>
+            <p:ph type="title"/>
+          </p:nvPr>
+        </p:nvSpPr>
+        <p:spPr/>
+        <p:txBody>
+          <a:bodyPr/>
+          <a:lstStyle/>
+          <a:p>
+            <a:r>
+              <a:rPr lang="en-US" dirty="0"/>
+              <a:t>Role of Testing in Agile Development</a:t>
+            </a:r>
+          </a:p>
+        </p:txBody>
+      </p:sp>
+      <p:sp>
+        <p:nvSpPr>
+          <p:cNvPr id="3" name="Content Placeholder 2"/>
+          <p:cNvSpPr>
+            <a:spLocks noGrp="1"/>
+          </p:cNvSpPr>
+          <p:nvPr>
+            <p:ph idx="1"/>
+          </p:nvPr>
+        </p:nvSpPr>
+        <p:spPr/>
+        <p:txBody>
+          <a:bodyPr/>
+          <a:lstStyle/>
+          <a:p>
+            <a:r>
+              <a:rPr lang="en-US" dirty="0"/>
+              <a:t>Testing plays a crucial role in Agile development by ensuring the quality and functionality of the software.</a:t>
+            </a:r>
+          </a:p>
+          <a:p>
+            <a:r>
+              <a:rPr lang="en-US" dirty="0"/>
+              <a:t>Testing is integrated throughout the development process, rather than being a separate phase at the end.</a:t>
+            </a:r>
+          </a:p>
+          <a:p>
+            <a:r>
+              <a:rPr lang="en-US" dirty="0"/>
+              <a:t>It helps identify defects early, enabling quick feedback and timely corrective actions.</a:t>
+            </a:r>
+          </a:p>
+          <a:p>
+            <a:r>
+              <a:rPr lang="en-US" dirty="0"/>
+              <a:t>Testers collaborate closely with developers, product owners, and other team members to ensure effective testing.</a:t>
+            </a:r>
+          </a:p>
+        </p:txBody>
+      </p:sp>
+      <p:sp>
+        <p:nvSpPr>
+          <p:cNvPr id="4" name="Slide Number Placeholder 3"/>
+          <p:cNvSpPr>
+            <a:spLocks noGrp="1"/>
+          </p:cNvSpPr>
+          <p:nvPr>
+            <p:ph type="sldNum" sz="quarter" idx="12"/>
+          </p:nvPr>
+        </p:nvSpPr>
+        <p:spPr/>
+        <p:txBody>
+          <a:bodyPr/>
+          <a:lstStyle/>
+          <a:p>
+            <a:fld id="{B8DACC02-A2BD-4578-8E03-6D891060A695}" type="slidenum">
+              <a:rPr lang="en-US" smtClean="0"/>
+              <a:pPr/>
+              <a:t>13</a:t>
+            </a:fld>
+            <a:endParaRPr lang="en-US" dirty="0"/>
+          </a:p>
+        </p:txBody>
+      </p:sp>
+    </p:spTree>
+    <p:extLst>
+      <p:ext uri="{BB962C8B-B14F-4D97-AF65-F5344CB8AC3E}">
+        <p14:creationId xmlns:p14="http://schemas.microsoft.com/office/powerpoint/2010/main" val="4179988991"/>
+      </p:ext>
+    </p:extLst>
+  </p:cSld>
+  <p:clrMapOvr>
+    <a:masterClrMapping/>
+  </p:clrMapOvr>
+</p:sld>
+</file>
+
+<file path=ppt/slides/slide14.xml><?xml version="1.0" encoding="utf-8"?>
+<p:sld xmlns:a="http://schemas.openxmlformats.org/drawingml/2006/main" xmlns:r="http://schemas.openxmlformats.org/officeDocument/2006/relationships" xmlns:p="http://schemas.openxmlformats.org/presentationml/2006/main">
+  <p:cSld>
+    <p:spTree>
+      <p:nvGrpSpPr>
+        <p:cNvPr id="1" name=""/>
+        <p:cNvGrpSpPr/>
+        <p:nvPr/>
+      </p:nvGrpSpPr>
+      <p:grpSpPr>
+        <a:xfrm>
+          <a:off x="0" y="0"/>
+          <a:ext cx="0" cy="0"/>
+          <a:chOff x="0" y="0"/>
+          <a:chExt cx="0" cy="0"/>
+        </a:xfrm>
+      </p:grpSpPr>
+      <p:sp>
+        <p:nvSpPr>
+          <p:cNvPr id="2" name="Title 1"/>
+          <p:cNvSpPr>
+            <a:spLocks noGrp="1"/>
+          </p:cNvSpPr>
+          <p:nvPr>
+            <p:ph type="title"/>
+          </p:nvPr>
+        </p:nvSpPr>
+        <p:spPr/>
+        <p:txBody>
+          <a:bodyPr/>
+          <a:lstStyle/>
+          <a:p>
+            <a:r>
+              <a:rPr lang="en-US" dirty="0"/>
+              <a:t>Testing in Agile Environments</a:t>
+            </a:r>
+          </a:p>
+        </p:txBody>
+      </p:sp>
+      <p:sp>
+        <p:nvSpPr>
+          <p:cNvPr id="3" name="Content Placeholder 2"/>
+          <p:cNvSpPr>
+            <a:spLocks noGrp="1"/>
+          </p:cNvSpPr>
+          <p:nvPr>
+            <p:ph idx="1"/>
+          </p:nvPr>
+        </p:nvSpPr>
+        <p:spPr/>
+        <p:txBody>
+          <a:bodyPr/>
+          <a:lstStyle/>
+          <a:p>
+            <a:r>
+              <a:rPr lang="en-US" dirty="0"/>
+              <a:t>Testing in Agile environments is characterized by short iterations or sprints.</a:t>
+            </a:r>
+          </a:p>
+          <a:p>
+            <a:r>
+              <a:rPr lang="en-US" dirty="0"/>
+              <a:t>Testers work closely with the development team to define and prioritize test cases.</a:t>
+            </a:r>
+          </a:p>
+          <a:p>
+            <a:r>
+              <a:rPr lang="en-US" dirty="0"/>
+              <a:t>Automated testing is heavily utilized to support frequent and rapid testing cycles.</a:t>
+            </a:r>
+          </a:p>
+          <a:p>
+            <a:r>
+              <a:rPr lang="en-US" dirty="0"/>
+              <a:t>Continuous integration and continuous delivery (CI/CD) pipelines are used to automate the testing and deployment processes.</a:t>
+            </a:r>
+          </a:p>
+        </p:txBody>
+      </p:sp>
+      <p:sp>
+        <p:nvSpPr>
+          <p:cNvPr id="4" name="Slide Number Placeholder 3"/>
+          <p:cNvSpPr>
+            <a:spLocks noGrp="1"/>
+          </p:cNvSpPr>
+          <p:nvPr>
+            <p:ph type="sldNum" sz="quarter" idx="12"/>
+          </p:nvPr>
+        </p:nvSpPr>
+        <p:spPr/>
+        <p:txBody>
+          <a:bodyPr/>
+          <a:lstStyle/>
+          <a:p>
+            <a:fld id="{B8DACC02-A2BD-4578-8E03-6D891060A695}" type="slidenum">
+              <a:rPr lang="en-US" smtClean="0"/>
+              <a:pPr/>
+              <a:t>14</a:t>
+            </a:fld>
+            <a:endParaRPr lang="en-US" dirty="0"/>
+          </a:p>
+        </p:txBody>
+      </p:sp>
+    </p:spTree>
+    <p:extLst>
+      <p:ext uri="{BB962C8B-B14F-4D97-AF65-F5344CB8AC3E}">
+        <p14:creationId xmlns:p14="http://schemas.microsoft.com/office/powerpoint/2010/main" val="850581310"/>
+      </p:ext>
+    </p:extLst>
+  </p:cSld>
+  <p:clrMapOvr>
+    <a:masterClrMapping/>
+  </p:clrMapOvr>
+</p:sld>
+</file>
+
+<file path=ppt/slides/slide15.xml><?xml version="1.0" encoding="utf-8"?>
+<p:sld xmlns:a="http://schemas.openxmlformats.org/drawingml/2006/main" xmlns:r="http://schemas.openxmlformats.org/officeDocument/2006/relationships" xmlns:p="http://schemas.openxmlformats.org/presentationml/2006/main">
+  <p:cSld>
+    <p:spTree>
+      <p:nvGrpSpPr>
+        <p:cNvPr id="1" name=""/>
+        <p:cNvGrpSpPr/>
+        <p:nvPr/>
+      </p:nvGrpSpPr>
+      <p:grpSpPr>
+        <a:xfrm>
+          <a:off x="0" y="0"/>
+          <a:ext cx="0" cy="0"/>
+          <a:chOff x="0" y="0"/>
+          <a:chExt cx="0" cy="0"/>
+        </a:xfrm>
+      </p:grpSpPr>
+      <p:sp>
+        <p:nvSpPr>
+          <p:cNvPr id="2" name="Title 1"/>
+          <p:cNvSpPr>
+            <a:spLocks noGrp="1"/>
+          </p:cNvSpPr>
+          <p:nvPr>
+            <p:ph type="title"/>
+          </p:nvPr>
+        </p:nvSpPr>
+        <p:spPr/>
+        <p:txBody>
+          <a:bodyPr/>
+          <a:lstStyle/>
+          <a:p>
+            <a:r>
+              <a:rPr lang="en-US" dirty="0"/>
+              <a:t>Acceptance Test-Driven Development (ATDD)</a:t>
+            </a:r>
+          </a:p>
+        </p:txBody>
+      </p:sp>
+      <p:sp>
+        <p:nvSpPr>
+          <p:cNvPr id="3" name="Content Placeholder 2"/>
+          <p:cNvSpPr>
+            <a:spLocks noGrp="1"/>
+          </p:cNvSpPr>
+          <p:nvPr>
+            <p:ph idx="1"/>
+          </p:nvPr>
+        </p:nvSpPr>
+        <p:spPr/>
+        <p:txBody>
+          <a:bodyPr/>
+          <a:lstStyle/>
+          <a:p>
+            <a:r>
+              <a:rPr lang="en-US" dirty="0"/>
+              <a:t>ATDD is a practice in Agile development that involves defining acceptance criteria before coding begins.</a:t>
+            </a:r>
+          </a:p>
+          <a:p>
+            <a:r>
+              <a:rPr lang="en-US" dirty="0"/>
+              <a:t>It promotes collaboration between stakeholders, testers, and developers to clarify requirements.</a:t>
+            </a:r>
+          </a:p>
+          <a:p>
+            <a:r>
+              <a:rPr lang="en-US" dirty="0"/>
+              <a:t>Acceptance tests, written in a business-readable format, guide the development process.</a:t>
+            </a:r>
+          </a:p>
+          <a:p>
+            <a:r>
+              <a:rPr lang="en-US" dirty="0"/>
+              <a:t>ATDD helps ensure that software meets the desired business outcomes and improves customer satisfaction.</a:t>
+            </a:r>
+          </a:p>
+        </p:txBody>
+      </p:sp>
+      <p:sp>
+        <p:nvSpPr>
+          <p:cNvPr id="4" name="Slide Number Placeholder 3"/>
+          <p:cNvSpPr>
+            <a:spLocks noGrp="1"/>
+          </p:cNvSpPr>
+          <p:nvPr>
+            <p:ph type="sldNum" sz="quarter" idx="12"/>
+          </p:nvPr>
+        </p:nvSpPr>
+        <p:spPr/>
+        <p:txBody>
+          <a:bodyPr/>
+          <a:lstStyle/>
+          <a:p>
+            <a:fld id="{B8DACC02-A2BD-4578-8E03-6D891060A695}" type="slidenum">
+              <a:rPr lang="en-US" smtClean="0"/>
+              <a:pPr/>
+              <a:t>15</a:t>
+            </a:fld>
+            <a:endParaRPr lang="en-US" dirty="0"/>
+          </a:p>
+        </p:txBody>
+      </p:sp>
+    </p:spTree>
+    <p:extLst>
+      <p:ext uri="{BB962C8B-B14F-4D97-AF65-F5344CB8AC3E}">
+        <p14:creationId xmlns:p14="http://schemas.microsoft.com/office/powerpoint/2010/main" val="1463101418"/>
+      </p:ext>
+    </p:extLst>
+  </p:cSld>
+  <p:clrMapOvr>
+    <a:masterClrMapping/>
+  </p:clrMapOvr>
+</p:sld>
+</file>
+
+<file path=ppt/slides/slide16.xml><?xml version="1.0" encoding="utf-8"?>
+<p:sld xmlns:a="http://schemas.openxmlformats.org/drawingml/2006/main" xmlns:r="http://schemas.openxmlformats.org/officeDocument/2006/relationships" xmlns:p="http://schemas.openxmlformats.org/presentationml/2006/main">
+  <p:cSld>
+    <p:spTree>
+      <p:nvGrpSpPr>
+        <p:cNvPr id="1" name=""/>
+        <p:cNvGrpSpPr/>
+        <p:nvPr/>
+      </p:nvGrpSpPr>
+      <p:grpSpPr>
+        <a:xfrm>
+          <a:off x="0" y="0"/>
+          <a:ext cx="0" cy="0"/>
+          <a:chOff x="0" y="0"/>
+          <a:chExt cx="0" cy="0"/>
+        </a:xfrm>
+      </p:grpSpPr>
+      <p:sp>
+        <p:nvSpPr>
+          <p:cNvPr id="2" name="Title 1"/>
+          <p:cNvSpPr>
+            <a:spLocks noGrp="1"/>
+          </p:cNvSpPr>
+          <p:nvPr>
+            <p:ph type="title"/>
+          </p:nvPr>
+        </p:nvSpPr>
+        <p:spPr/>
+        <p:txBody>
+          <a:bodyPr/>
+          <a:lstStyle/>
+          <a:p>
+            <a:r>
+              <a:rPr lang="en-US" dirty="0"/>
+              <a:t>Acceptance Test-Driven Development (ATDD)</a:t>
+            </a:r>
+          </a:p>
+        </p:txBody>
+      </p:sp>
+      <p:sp>
+        <p:nvSpPr>
+          <p:cNvPr id="4" name="Slide Number Placeholder 3"/>
+          <p:cNvSpPr>
+            <a:spLocks noGrp="1"/>
+          </p:cNvSpPr>
+          <p:nvPr>
+            <p:ph type="sldNum" sz="quarter" idx="12"/>
+          </p:nvPr>
+        </p:nvSpPr>
+        <p:spPr/>
+        <p:txBody>
+          <a:bodyPr/>
+          <a:lstStyle/>
+          <a:p>
+            <a:fld id="{B8DACC02-A2BD-4578-8E03-6D891060A695}" type="slidenum">
+              <a:rPr lang="en-US" smtClean="0"/>
+              <a:pPr/>
+              <a:t>16</a:t>
             </a:fld>
             <a:endParaRPr lang="en-US" dirty="0"/>
           </a:p>
@@ -4837,7 +5334,7 @@
 </p:sld>
 </file>
 
-<file path=ppt/slides/slide13.xml><?xml version="1.0" encoding="utf-8"?>
+<file path=ppt/slides/slide17.xml><?xml version="1.0" encoding="utf-8"?>
 <p:sld xmlns:a="http://schemas.openxmlformats.org/drawingml/2006/main" xmlns:r="http://schemas.openxmlformats.org/officeDocument/2006/relationships" xmlns:p="http://schemas.openxmlformats.org/presentationml/2006/main">
   <p:cSld>
     <p:spTree>
@@ -4878,7 +5375,7 @@
             <a:fld id="{B8DACC02-A2BD-4578-8E03-6D891060A695}" type="slidenum">
               <a:rPr lang="en-US" smtClean="0"/>
               <a:pPr/>
-              <a:t>13</a:t>
+              <a:t>17</a:t>
             </a:fld>
             <a:endParaRPr lang="en-US" dirty="0"/>
           </a:p>
@@ -4998,6 +5495,346 @@
 </p:sld>
 </file>
 
+<file path=ppt/slides/slide18.xml><?xml version="1.0" encoding="utf-8"?>
+<p:sld xmlns:a="http://schemas.openxmlformats.org/drawingml/2006/main" xmlns:r="http://schemas.openxmlformats.org/officeDocument/2006/relationships" xmlns:p="http://schemas.openxmlformats.org/presentationml/2006/main">
+  <p:cSld>
+    <p:spTree>
+      <p:nvGrpSpPr>
+        <p:cNvPr id="1" name=""/>
+        <p:cNvGrpSpPr/>
+        <p:nvPr/>
+      </p:nvGrpSpPr>
+      <p:grpSpPr>
+        <a:xfrm>
+          <a:off x="0" y="0"/>
+          <a:ext cx="0" cy="0"/>
+          <a:chOff x="0" y="0"/>
+          <a:chExt cx="0" cy="0"/>
+        </a:xfrm>
+      </p:grpSpPr>
+      <p:sp>
+        <p:nvSpPr>
+          <p:cNvPr id="3" name="Title 2">
+            <a:extLst>
+              <a:ext uri="{FF2B5EF4-FFF2-40B4-BE49-F238E27FC236}">
+                <a16:creationId xmlns:a16="http://schemas.microsoft.com/office/drawing/2014/main" id="{815B2950-3146-45D6-924F-6E7B63DB079B}"/>
+              </a:ext>
+            </a:extLst>
+          </p:cNvPr>
+          <p:cNvSpPr>
+            <a:spLocks noGrp="1"/>
+          </p:cNvSpPr>
+          <p:nvPr>
+            <p:ph type="title"/>
+          </p:nvPr>
+        </p:nvSpPr>
+        <p:spPr/>
+        <p:txBody>
+          <a:bodyPr>
+            <a:normAutofit/>
+          </a:bodyPr>
+          <a:lstStyle/>
+          <a:p>
+            <a:r>
+              <a:rPr lang="en-US" dirty="0"/>
+              <a:t>Reporting Iterative Testing Results</a:t>
+            </a:r>
+          </a:p>
+        </p:txBody>
+      </p:sp>
+      <p:sp>
+        <p:nvSpPr>
+          <p:cNvPr id="4" name="Content Placeholder 3">
+            <a:extLst>
+              <a:ext uri="{FF2B5EF4-FFF2-40B4-BE49-F238E27FC236}">
+                <a16:creationId xmlns:a16="http://schemas.microsoft.com/office/drawing/2014/main" id="{C22FEF7F-B515-4A8A-95EE-08E6470678DA}"/>
+              </a:ext>
+            </a:extLst>
+          </p:cNvPr>
+          <p:cNvSpPr>
+            <a:spLocks noGrp="1"/>
+          </p:cNvSpPr>
+          <p:nvPr>
+            <p:ph idx="1"/>
+          </p:nvPr>
+        </p:nvSpPr>
+        <p:spPr/>
+        <p:txBody>
+          <a:bodyPr>
+            <a:normAutofit/>
+          </a:bodyPr>
+          <a:lstStyle/>
+          <a:p>
+            <a:r>
+              <a:rPr lang="en-US" dirty="0"/>
+              <a:t>Communicating Test Progress and Findings</a:t>
+            </a:r>
+          </a:p>
+          <a:p>
+            <a:pPr lvl="1"/>
+            <a:r>
+              <a:rPr lang="en-US" dirty="0"/>
+              <a:t>Test summary reports: provide an overview of testing progress and results</a:t>
+            </a:r>
+          </a:p>
+          <a:p>
+            <a:pPr lvl="1"/>
+            <a:r>
+              <a:rPr lang="en-US" dirty="0"/>
+              <a:t>Test detailed reports: include detailed information on test cases, test results, and defects</a:t>
+            </a:r>
+          </a:p>
+          <a:p>
+            <a:pPr lvl="1"/>
+            <a:r>
+              <a:rPr lang="en-US" dirty="0"/>
+              <a:t>Defect reports: track and report on defects found during testing</a:t>
+            </a:r>
+          </a:p>
+          <a:p>
+            <a:pPr lvl="1"/>
+            <a:r>
+              <a:rPr lang="en-US" dirty="0"/>
+              <a:t>Test coverage reports: show the percentage of tested requirements and code coverage</a:t>
+            </a:r>
+          </a:p>
+          <a:p>
+            <a:pPr lvl="1"/>
+            <a:r>
+              <a:rPr lang="en-US" dirty="0"/>
+              <a:t>Testing metrics: track and analyze testing metrics, such as test case execution time and defect density</a:t>
+            </a:r>
+          </a:p>
+          <a:p>
+            <a:endParaRPr lang="en-US" dirty="0"/>
+          </a:p>
+        </p:txBody>
+      </p:sp>
+      <p:sp>
+        <p:nvSpPr>
+          <p:cNvPr id="2" name="Slide Number Placeholder 1">
+            <a:extLst>
+              <a:ext uri="{FF2B5EF4-FFF2-40B4-BE49-F238E27FC236}">
+                <a16:creationId xmlns:a16="http://schemas.microsoft.com/office/drawing/2014/main" id="{FC76D536-EACC-4464-91DE-22B1F6A412EB}"/>
+              </a:ext>
+            </a:extLst>
+          </p:cNvPr>
+          <p:cNvSpPr>
+            <a:spLocks noGrp="1"/>
+          </p:cNvSpPr>
+          <p:nvPr>
+            <p:ph type="sldNum" sz="quarter" idx="12"/>
+          </p:nvPr>
+        </p:nvSpPr>
+        <p:spPr/>
+        <p:txBody>
+          <a:bodyPr/>
+          <a:lstStyle/>
+          <a:p>
+            <a:fld id="{B8DACC02-A2BD-4578-8E03-6D891060A695}" type="slidenum">
+              <a:rPr lang="en-US" smtClean="0"/>
+              <a:t>18</a:t>
+            </a:fld>
+            <a:endParaRPr lang="en-US"/>
+          </a:p>
+        </p:txBody>
+      </p:sp>
+    </p:spTree>
+    <p:extLst>
+      <p:ext uri="{BB962C8B-B14F-4D97-AF65-F5344CB8AC3E}">
+        <p14:creationId xmlns:p14="http://schemas.microsoft.com/office/powerpoint/2010/main" val="2380968226"/>
+      </p:ext>
+    </p:extLst>
+  </p:cSld>
+  <p:clrMapOvr>
+    <a:masterClrMapping/>
+  </p:clrMapOvr>
+</p:sld>
+</file>
+
+<file path=ppt/slides/slide19.xml><?xml version="1.0" encoding="utf-8"?>
+<p:sld xmlns:a="http://schemas.openxmlformats.org/drawingml/2006/main" xmlns:r="http://schemas.openxmlformats.org/officeDocument/2006/relationships" xmlns:p="http://schemas.openxmlformats.org/presentationml/2006/main">
+  <p:cSld>
+    <p:spTree>
+      <p:nvGrpSpPr>
+        <p:cNvPr id="1" name=""/>
+        <p:cNvGrpSpPr/>
+        <p:nvPr/>
+      </p:nvGrpSpPr>
+      <p:grpSpPr>
+        <a:xfrm>
+          <a:off x="0" y="0"/>
+          <a:ext cx="0" cy="0"/>
+          <a:chOff x="0" y="0"/>
+          <a:chExt cx="0" cy="0"/>
+        </a:xfrm>
+      </p:grpSpPr>
+      <p:sp>
+        <p:nvSpPr>
+          <p:cNvPr id="2" name="Title 1">
+            <a:extLst>
+              <a:ext uri="{FF2B5EF4-FFF2-40B4-BE49-F238E27FC236}">
+                <a16:creationId xmlns:a16="http://schemas.microsoft.com/office/drawing/2014/main" id="{57F26230-FA9C-4651-B71B-5E3415CF8C7B}"/>
+              </a:ext>
+            </a:extLst>
+          </p:cNvPr>
+          <p:cNvSpPr>
+            <a:spLocks noGrp="1"/>
+          </p:cNvSpPr>
+          <p:nvPr>
+            <p:ph type="title"/>
+          </p:nvPr>
+        </p:nvSpPr>
+        <p:spPr/>
+        <p:txBody>
+          <a:bodyPr/>
+          <a:lstStyle/>
+          <a:p>
+            <a:r>
+              <a:rPr lang="en-US" dirty="0"/>
+              <a:t>Challenges and Solutions for Iterative Testing</a:t>
+            </a:r>
+          </a:p>
+        </p:txBody>
+      </p:sp>
+      <p:sp>
+        <p:nvSpPr>
+          <p:cNvPr id="3" name="Content Placeholder 2">
+            <a:extLst>
+              <a:ext uri="{FF2B5EF4-FFF2-40B4-BE49-F238E27FC236}">
+                <a16:creationId xmlns:a16="http://schemas.microsoft.com/office/drawing/2014/main" id="{8A59F3D5-857B-47D7-B621-0EE7CAAE0D41}"/>
+              </a:ext>
+            </a:extLst>
+          </p:cNvPr>
+          <p:cNvSpPr>
+            <a:spLocks noGrp="1"/>
+          </p:cNvSpPr>
+          <p:nvPr>
+            <p:ph idx="1"/>
+          </p:nvPr>
+        </p:nvSpPr>
+        <p:spPr/>
+        <p:txBody>
+          <a:bodyPr>
+            <a:normAutofit/>
+          </a:bodyPr>
+          <a:lstStyle/>
+          <a:p>
+            <a:r>
+              <a:rPr lang="en-US" dirty="0"/>
+              <a:t>Challenges:</a:t>
+            </a:r>
+          </a:p>
+          <a:p>
+            <a:pPr lvl="1"/>
+            <a:r>
+              <a:rPr lang="en-US" dirty="0"/>
+              <a:t>Time constraints and tight deadlines</a:t>
+            </a:r>
+          </a:p>
+          <a:p>
+            <a:pPr lvl="1"/>
+            <a:r>
+              <a:rPr lang="en-US" dirty="0"/>
+              <a:t>Frequent changes in requirements and priorities</a:t>
+            </a:r>
+          </a:p>
+          <a:p>
+            <a:pPr lvl="1"/>
+            <a:r>
+              <a:rPr lang="en-US" dirty="0"/>
+              <a:t>Lack of documentation and resources</a:t>
+            </a:r>
+          </a:p>
+          <a:p>
+            <a:pPr lvl="1"/>
+            <a:r>
+              <a:rPr lang="en-US" dirty="0"/>
+              <a:t>Inadequate communication and collaboration</a:t>
+            </a:r>
+          </a:p>
+          <a:p>
+            <a:r>
+              <a:rPr lang="en-US" dirty="0"/>
+              <a:t>Solutions:</a:t>
+            </a:r>
+          </a:p>
+          <a:p>
+            <a:pPr lvl="1"/>
+            <a:r>
+              <a:rPr lang="en-US" dirty="0"/>
+              <a:t>Prioritize testing and allocate sufficient time and resources</a:t>
+            </a:r>
+          </a:p>
+          <a:p>
+            <a:pPr lvl="1"/>
+            <a:r>
+              <a:rPr lang="en-US" dirty="0"/>
+              <a:t>Use automated testing tools and continuous integration</a:t>
+            </a:r>
+          </a:p>
+          <a:p>
+            <a:pPr lvl="1"/>
+            <a:r>
+              <a:rPr lang="en-US" dirty="0"/>
+              <a:t>Collaborate with developers and stakeholders for clear requirements</a:t>
+            </a:r>
+          </a:p>
+          <a:p>
+            <a:pPr lvl="1"/>
+            <a:r>
+              <a:rPr lang="en-US" dirty="0"/>
+              <a:t>Use agile testing methodologies and iterative testing approaches</a:t>
+            </a:r>
+          </a:p>
+          <a:p>
+            <a:endParaRPr lang="en-US" dirty="0"/>
+          </a:p>
+        </p:txBody>
+      </p:sp>
+      <p:sp>
+        <p:nvSpPr>
+          <p:cNvPr id="4" name="Slide Number Placeholder 3">
+            <a:extLst>
+              <a:ext uri="{FF2B5EF4-FFF2-40B4-BE49-F238E27FC236}">
+                <a16:creationId xmlns:a16="http://schemas.microsoft.com/office/drawing/2014/main" id="{5F05F3A2-30CF-474A-A1D2-3B934E55230D}"/>
+              </a:ext>
+            </a:extLst>
+          </p:cNvPr>
+          <p:cNvSpPr>
+            <a:spLocks noGrp="1"/>
+          </p:cNvSpPr>
+          <p:nvPr>
+            <p:ph type="sldNum" sz="quarter" idx="12"/>
+          </p:nvPr>
+        </p:nvSpPr>
+        <p:spPr/>
+        <p:txBody>
+          <a:bodyPr/>
+          <a:lstStyle/>
+          <a:p>
+            <a:fld id="{B8DACC02-A2BD-4578-8E03-6D891060A695}" type="slidenum">
+              <a:rPr lang="en-US" smtClean="0"/>
+              <a:pPr/>
+              <a:t>19</a:t>
+            </a:fld>
+            <a:endParaRPr lang="en-US" dirty="0"/>
+          </a:p>
+        </p:txBody>
+      </p:sp>
+    </p:spTree>
+    <p:extLst>
+      <p:ext uri="{BB962C8B-B14F-4D97-AF65-F5344CB8AC3E}">
+        <p14:creationId xmlns:p14="http://schemas.microsoft.com/office/powerpoint/2010/main" val="3697329699"/>
+      </p:ext>
+    </p:extLst>
+  </p:cSld>
+  <p:clrMapOvr>
+    <a:masterClrMapping/>
+  </p:clrMapOvr>
+</p:sld>
+</file>
+
 <file path=ppt/slides/slide2.xml><?xml version="1.0" encoding="utf-8"?>
 <p:sld xmlns:a="http://schemas.openxmlformats.org/drawingml/2006/main" xmlns:r="http://schemas.openxmlformats.org/officeDocument/2006/relationships" xmlns:p="http://schemas.openxmlformats.org/presentationml/2006/main">
   <p:cSld>
@@ -5099,6 +5936,160 @@
     <p:extLst>
       <p:ext uri="{BB962C8B-B14F-4D97-AF65-F5344CB8AC3E}">
         <p14:creationId xmlns:p14="http://schemas.microsoft.com/office/powerpoint/2010/main" val="2490819176"/>
+      </p:ext>
+    </p:extLst>
+  </p:cSld>
+  <p:clrMapOvr>
+    <a:masterClrMapping/>
+  </p:clrMapOvr>
+</p:sld>
+</file>
+
+<file path=ppt/slides/slide20.xml><?xml version="1.0" encoding="utf-8"?>
+<p:sld xmlns:a="http://schemas.openxmlformats.org/drawingml/2006/main" xmlns:r="http://schemas.openxmlformats.org/officeDocument/2006/relationships" xmlns:p="http://schemas.openxmlformats.org/presentationml/2006/main">
+  <p:cSld>
+    <p:spTree>
+      <p:nvGrpSpPr>
+        <p:cNvPr id="1" name=""/>
+        <p:cNvGrpSpPr/>
+        <p:nvPr/>
+      </p:nvGrpSpPr>
+      <p:grpSpPr>
+        <a:xfrm>
+          <a:off x="0" y="0"/>
+          <a:ext cx="0" cy="0"/>
+          <a:chOff x="0" y="0"/>
+          <a:chExt cx="0" cy="0"/>
+        </a:xfrm>
+      </p:grpSpPr>
+      <p:sp>
+        <p:nvSpPr>
+          <p:cNvPr id="2" name="Title 1">
+            <a:extLst>
+              <a:ext uri="{FF2B5EF4-FFF2-40B4-BE49-F238E27FC236}">
+                <a16:creationId xmlns:a16="http://schemas.microsoft.com/office/drawing/2014/main" id="{37348F65-3355-4536-83AC-1CE27D70D05B}"/>
+              </a:ext>
+            </a:extLst>
+          </p:cNvPr>
+          <p:cNvSpPr>
+            <a:spLocks noGrp="1"/>
+          </p:cNvSpPr>
+          <p:nvPr>
+            <p:ph type="title"/>
+          </p:nvPr>
+        </p:nvSpPr>
+        <p:spPr/>
+        <p:txBody>
+          <a:bodyPr/>
+          <a:lstStyle/>
+          <a:p>
+            <a:r>
+              <a:rPr lang="en-US" dirty="0"/>
+              <a:t>Best Practices for Iterative Testing</a:t>
+            </a:r>
+          </a:p>
+        </p:txBody>
+      </p:sp>
+      <p:sp>
+        <p:nvSpPr>
+          <p:cNvPr id="3" name="Content Placeholder 2">
+            <a:extLst>
+              <a:ext uri="{FF2B5EF4-FFF2-40B4-BE49-F238E27FC236}">
+                <a16:creationId xmlns:a16="http://schemas.microsoft.com/office/drawing/2014/main" id="{A3DAEEC9-6C36-4291-8A2A-86D7A6C4A271}"/>
+              </a:ext>
+            </a:extLst>
+          </p:cNvPr>
+          <p:cNvSpPr>
+            <a:spLocks noGrp="1"/>
+          </p:cNvSpPr>
+          <p:nvPr>
+            <p:ph idx="1"/>
+          </p:nvPr>
+        </p:nvSpPr>
+        <p:spPr/>
+        <p:txBody>
+          <a:bodyPr>
+            <a:normAutofit/>
+          </a:bodyPr>
+          <a:lstStyle/>
+          <a:p>
+            <a:r>
+              <a:rPr lang="en-US" dirty="0"/>
+              <a:t>Start testing early and continue throughout the development cycle</a:t>
+            </a:r>
+          </a:p>
+          <a:p>
+            <a:r>
+              <a:rPr lang="en-US" dirty="0"/>
+              <a:t>Use automated testing tools and frameworks for efficiency</a:t>
+            </a:r>
+          </a:p>
+          <a:p>
+            <a:r>
+              <a:rPr lang="en-US" dirty="0"/>
+              <a:t>Test small and often, focusing on high-risk features</a:t>
+            </a:r>
+          </a:p>
+          <a:p>
+            <a:r>
+              <a:rPr lang="en-US" dirty="0"/>
+              <a:t>Collaborate with developers and stakeholders for clear requirements</a:t>
+            </a:r>
+          </a:p>
+          <a:p>
+            <a:r>
+              <a:rPr lang="en-US" dirty="0"/>
+              <a:t>Establish clear testing goals and metrics</a:t>
+            </a:r>
+          </a:p>
+          <a:p>
+            <a:r>
+              <a:rPr lang="en-US" dirty="0"/>
+              <a:t>Continuously monitor and improve testing processes</a:t>
+            </a:r>
+          </a:p>
+          <a:p>
+            <a:endParaRPr lang="en-US" dirty="0"/>
+          </a:p>
+          <a:p>
+            <a:endParaRPr lang="en-US" dirty="0"/>
+          </a:p>
+        </p:txBody>
+      </p:sp>
+      <p:sp>
+        <p:nvSpPr>
+          <p:cNvPr id="4" name="Slide Number Placeholder 3">
+            <a:extLst>
+              <a:ext uri="{FF2B5EF4-FFF2-40B4-BE49-F238E27FC236}">
+                <a16:creationId xmlns:a16="http://schemas.microsoft.com/office/drawing/2014/main" id="{D3C51F71-9CB4-4C1B-A9BC-A89DC7B73873}"/>
+              </a:ext>
+            </a:extLst>
+          </p:cNvPr>
+          <p:cNvSpPr>
+            <a:spLocks noGrp="1"/>
+          </p:cNvSpPr>
+          <p:nvPr>
+            <p:ph type="sldNum" sz="quarter" idx="12"/>
+          </p:nvPr>
+        </p:nvSpPr>
+        <p:spPr/>
+        <p:txBody>
+          <a:bodyPr/>
+          <a:lstStyle/>
+          <a:p>
+            <a:fld id="{B8DACC02-A2BD-4578-8E03-6D891060A695}" type="slidenum">
+              <a:rPr lang="en-US" smtClean="0"/>
+              <a:pPr/>
+              <a:t>20</a:t>
+            </a:fld>
+            <a:endParaRPr lang="en-US" dirty="0"/>
+          </a:p>
+        </p:txBody>
+      </p:sp>
+    </p:spTree>
+    <p:extLst>
+      <p:ext uri="{BB962C8B-B14F-4D97-AF65-F5344CB8AC3E}">
+        <p14:creationId xmlns:p14="http://schemas.microsoft.com/office/powerpoint/2010/main" val="3816391514"/>
       </p:ext>
     </p:extLst>
   </p:cSld>
@@ -5243,7 +6234,98 @@
       </p:grpSpPr>
       <p:sp>
         <p:nvSpPr>
-          <p:cNvPr id="4" name="Slide Number Placeholder 3"/>
+          <p:cNvPr id="2" name="Title 1">
+            <a:extLst>
+              <a:ext uri="{FF2B5EF4-FFF2-40B4-BE49-F238E27FC236}">
+                <a16:creationId xmlns:a16="http://schemas.microsoft.com/office/drawing/2014/main" id="{FA52C8F7-EE3D-4156-BF6B-62AA00309F11}"/>
+              </a:ext>
+            </a:extLst>
+          </p:cNvPr>
+          <p:cNvSpPr>
+            <a:spLocks noGrp="1"/>
+          </p:cNvSpPr>
+          <p:nvPr>
+            <p:ph type="title"/>
+          </p:nvPr>
+        </p:nvSpPr>
+        <p:spPr/>
+        <p:txBody>
+          <a:bodyPr>
+            <a:normAutofit/>
+          </a:bodyPr>
+          <a:lstStyle/>
+          <a:p>
+            <a:r>
+              <a:rPr lang="en-US" sz="3200" dirty="0"/>
+              <a:t>Iterative Design: A Key to Successful Software Development</a:t>
+            </a:r>
+          </a:p>
+        </p:txBody>
+      </p:sp>
+      <p:sp>
+        <p:nvSpPr>
+          <p:cNvPr id="3" name="Content Placeholder 2">
+            <a:extLst>
+              <a:ext uri="{FF2B5EF4-FFF2-40B4-BE49-F238E27FC236}">
+                <a16:creationId xmlns:a16="http://schemas.microsoft.com/office/drawing/2014/main" id="{EA7ED397-B63E-4487-82ED-E765319163F5}"/>
+              </a:ext>
+            </a:extLst>
+          </p:cNvPr>
+          <p:cNvSpPr>
+            <a:spLocks noGrp="1"/>
+          </p:cNvSpPr>
+          <p:nvPr>
+            <p:ph idx="1"/>
+          </p:nvPr>
+        </p:nvSpPr>
+        <p:spPr/>
+        <p:txBody>
+          <a:bodyPr/>
+          <a:lstStyle/>
+          <a:p>
+            <a:r>
+              <a:rPr lang="en-US" dirty="0"/>
+              <a:t>Satisfying User Requirements while Maintaining Quality Attributes"</a:t>
+            </a:r>
+          </a:p>
+          <a:p>
+            <a:pPr lvl="1"/>
+            <a:r>
+              <a:rPr lang="en-US" dirty="0"/>
+              <a:t>User requirements are the foundation of software development</a:t>
+            </a:r>
+          </a:p>
+          <a:p>
+            <a:pPr lvl="1"/>
+            <a:r>
+              <a:rPr lang="en-US" dirty="0"/>
+              <a:t>Quality attributes are critical for software success</a:t>
+            </a:r>
+          </a:p>
+          <a:p>
+            <a:pPr lvl="1"/>
+            <a:r>
+              <a:rPr lang="en-US" dirty="0"/>
+              <a:t>Iterative design is a powerful approach for satisfying user requirements while maintaining quality attributes</a:t>
+            </a:r>
+          </a:p>
+          <a:p>
+            <a:endParaRPr lang="en-US" dirty="0"/>
+          </a:p>
+          <a:p>
+            <a:endParaRPr lang="en-US" dirty="0"/>
+          </a:p>
+        </p:txBody>
+      </p:sp>
+      <p:sp>
+        <p:nvSpPr>
+          <p:cNvPr id="4" name="Slide Number Placeholder 3">
+            <a:extLst>
+              <a:ext uri="{FF2B5EF4-FFF2-40B4-BE49-F238E27FC236}">
+                <a16:creationId xmlns:a16="http://schemas.microsoft.com/office/drawing/2014/main" id="{550AEA17-FBA7-4304-AEA9-1197AC2FDE38}"/>
+              </a:ext>
+            </a:extLst>
+          </p:cNvPr>
           <p:cNvSpPr>
             <a:spLocks noGrp="1"/>
           </p:cNvSpPr>
@@ -5260,6 +6342,609 @@
               <a:rPr lang="en-US" smtClean="0"/>
               <a:pPr/>
               <a:t>4</a:t>
+            </a:fld>
+            <a:endParaRPr lang="en-US" dirty="0"/>
+          </a:p>
+        </p:txBody>
+      </p:sp>
+      <p:pic>
+        <p:nvPicPr>
+          <p:cNvPr id="1026" name="Picture 2" descr="The Pros and Cons of Iterative Software Development - One Beyond">
+            <a:extLst>
+              <a:ext uri="{FF2B5EF4-FFF2-40B4-BE49-F238E27FC236}">
+                <a16:creationId xmlns:a16="http://schemas.microsoft.com/office/drawing/2014/main" id="{3E38851F-9725-4317-ACAC-F5F653ACE1F2}"/>
+              </a:ext>
+            </a:extLst>
+          </p:cNvPr>
+          <p:cNvPicPr>
+            <a:picLocks noChangeAspect="1" noChangeArrowheads="1"/>
+          </p:cNvPicPr>
+          <p:nvPr/>
+        </p:nvPicPr>
+        <p:blipFill>
+          <a:blip r:embed="rId2">
+            <a:duotone>
+              <a:schemeClr val="accent1">
+                <a:shade val="45000"/>
+                <a:satMod val="135000"/>
+              </a:schemeClr>
+              <a:prstClr val="white"/>
+            </a:duotone>
+            <a:extLst>
+              <a:ext uri="{28A0092B-C50C-407E-A947-70E740481C1C}">
+                <a14:useLocalDpi xmlns:a14="http://schemas.microsoft.com/office/drawing/2010/main" val="0"/>
+              </a:ext>
+            </a:extLst>
+          </a:blip>
+          <a:srcRect/>
+          <a:stretch>
+            <a:fillRect/>
+          </a:stretch>
+        </p:blipFill>
+        <p:spPr bwMode="auto">
+          <a:xfrm>
+            <a:off x="7813685" y="3358065"/>
+            <a:ext cx="3590163" cy="2994486"/>
+          </a:xfrm>
+          <a:prstGeom prst="rect">
+            <a:avLst/>
+          </a:prstGeom>
+          <a:noFill/>
+          <a:extLst>
+            <a:ext uri="{909E8E84-426E-40DD-AFC4-6F175D3DCCD1}">
+              <a14:hiddenFill xmlns:a14="http://schemas.microsoft.com/office/drawing/2010/main">
+                <a:solidFill>
+                  <a:srgbClr val="FFFFFF"/>
+                </a:solidFill>
+              </a14:hiddenFill>
+            </a:ext>
+          </a:extLst>
+        </p:spPr>
+      </p:pic>
+    </p:spTree>
+    <p:extLst>
+      <p:ext uri="{BB962C8B-B14F-4D97-AF65-F5344CB8AC3E}">
+        <p14:creationId xmlns:p14="http://schemas.microsoft.com/office/powerpoint/2010/main" val="3254055264"/>
+      </p:ext>
+    </p:extLst>
+  </p:cSld>
+  <p:clrMapOvr>
+    <a:masterClrMapping/>
+  </p:clrMapOvr>
+</p:sld>
+</file>
+
+<file path=ppt/slides/slide5.xml><?xml version="1.0" encoding="utf-8"?>
+<p:sld xmlns:a="http://schemas.openxmlformats.org/drawingml/2006/main" xmlns:r="http://schemas.openxmlformats.org/officeDocument/2006/relationships" xmlns:p="http://schemas.openxmlformats.org/presentationml/2006/main">
+  <p:cSld>
+    <p:spTree>
+      <p:nvGrpSpPr>
+        <p:cNvPr id="1" name=""/>
+        <p:cNvGrpSpPr/>
+        <p:nvPr/>
+      </p:nvGrpSpPr>
+      <p:grpSpPr>
+        <a:xfrm>
+          <a:off x="0" y="0"/>
+          <a:ext cx="0" cy="0"/>
+          <a:chOff x="0" y="0"/>
+          <a:chExt cx="0" cy="0"/>
+        </a:xfrm>
+      </p:grpSpPr>
+      <p:sp>
+        <p:nvSpPr>
+          <p:cNvPr id="2" name="Title 1">
+            <a:extLst>
+              <a:ext uri="{FF2B5EF4-FFF2-40B4-BE49-F238E27FC236}">
+                <a16:creationId xmlns:a16="http://schemas.microsoft.com/office/drawing/2014/main" id="{D93BA49B-E97C-46CA-9194-9870BB74670E}"/>
+              </a:ext>
+            </a:extLst>
+          </p:cNvPr>
+          <p:cNvSpPr>
+            <a:spLocks noGrp="1"/>
+          </p:cNvSpPr>
+          <p:nvPr>
+            <p:ph type="title"/>
+          </p:nvPr>
+        </p:nvSpPr>
+        <p:spPr/>
+        <p:txBody>
+          <a:bodyPr/>
+          <a:lstStyle/>
+          <a:p>
+            <a:r>
+              <a:rPr lang="en-US" dirty="0"/>
+              <a:t>Benefits of Iterative Design</a:t>
+            </a:r>
+          </a:p>
+        </p:txBody>
+      </p:sp>
+      <p:sp>
+        <p:nvSpPr>
+          <p:cNvPr id="3" name="Content Placeholder 2">
+            <a:extLst>
+              <a:ext uri="{FF2B5EF4-FFF2-40B4-BE49-F238E27FC236}">
+                <a16:creationId xmlns:a16="http://schemas.microsoft.com/office/drawing/2014/main" id="{55E16BF4-1908-422F-BF66-70326DF49EB3}"/>
+              </a:ext>
+            </a:extLst>
+          </p:cNvPr>
+          <p:cNvSpPr>
+            <a:spLocks noGrp="1"/>
+          </p:cNvSpPr>
+          <p:nvPr>
+            <p:ph idx="1"/>
+          </p:nvPr>
+        </p:nvSpPr>
+        <p:spPr/>
+        <p:txBody>
+          <a:bodyPr>
+            <a:normAutofit/>
+          </a:bodyPr>
+          <a:lstStyle/>
+          <a:p>
+            <a:r>
+              <a:rPr lang="en-US" dirty="0"/>
+              <a:t>Improving Software Quality and User Satisfaction</a:t>
+            </a:r>
+          </a:p>
+          <a:p>
+            <a:pPr lvl="1"/>
+            <a:r>
+              <a:rPr lang="en-US" dirty="0"/>
+              <a:t>Allows for early detection and correction of defects</a:t>
+            </a:r>
+          </a:p>
+          <a:p>
+            <a:pPr lvl="1"/>
+            <a:r>
+              <a:rPr lang="en-US" dirty="0"/>
+              <a:t>Enables continuous improvement and refinement of software</a:t>
+            </a:r>
+          </a:p>
+          <a:p>
+            <a:pPr lvl="1"/>
+            <a:r>
+              <a:rPr lang="en-US" dirty="0"/>
+              <a:t>Promotes collaboration and communication between developers and stakeholders</a:t>
+            </a:r>
+          </a:p>
+          <a:p>
+            <a:pPr lvl="1"/>
+            <a:r>
+              <a:rPr lang="en-US" dirty="0"/>
+              <a:t>Helps ensure that software meets user needs and expectations</a:t>
+            </a:r>
+          </a:p>
+          <a:p>
+            <a:pPr lvl="1"/>
+            <a:r>
+              <a:rPr lang="en-US" dirty="0"/>
+              <a:t>Supports evolutionary development and adaptation to changing requirements</a:t>
+            </a:r>
+          </a:p>
+          <a:p>
+            <a:endParaRPr lang="en-US" dirty="0"/>
+          </a:p>
+          <a:p>
+            <a:endParaRPr lang="en-US" dirty="0"/>
+          </a:p>
+        </p:txBody>
+      </p:sp>
+      <p:sp>
+        <p:nvSpPr>
+          <p:cNvPr id="4" name="Slide Number Placeholder 3">
+            <a:extLst>
+              <a:ext uri="{FF2B5EF4-FFF2-40B4-BE49-F238E27FC236}">
+                <a16:creationId xmlns:a16="http://schemas.microsoft.com/office/drawing/2014/main" id="{10818053-6B94-4D53-97B1-82E8C7665E08}"/>
+              </a:ext>
+            </a:extLst>
+          </p:cNvPr>
+          <p:cNvSpPr>
+            <a:spLocks noGrp="1"/>
+          </p:cNvSpPr>
+          <p:nvPr>
+            <p:ph type="sldNum" sz="quarter" idx="12"/>
+          </p:nvPr>
+        </p:nvSpPr>
+        <p:spPr/>
+        <p:txBody>
+          <a:bodyPr/>
+          <a:lstStyle/>
+          <a:p>
+            <a:fld id="{B8DACC02-A2BD-4578-8E03-6D891060A695}" type="slidenum">
+              <a:rPr lang="en-US" smtClean="0"/>
+              <a:pPr/>
+              <a:t>5</a:t>
+            </a:fld>
+            <a:endParaRPr lang="en-US" dirty="0"/>
+          </a:p>
+        </p:txBody>
+      </p:sp>
+    </p:spTree>
+    <p:extLst>
+      <p:ext uri="{BB962C8B-B14F-4D97-AF65-F5344CB8AC3E}">
+        <p14:creationId xmlns:p14="http://schemas.microsoft.com/office/powerpoint/2010/main" val="3604126015"/>
+      </p:ext>
+    </p:extLst>
+  </p:cSld>
+  <p:clrMapOvr>
+    <a:masterClrMapping/>
+  </p:clrMapOvr>
+</p:sld>
+</file>
+
+<file path=ppt/slides/slide6.xml><?xml version="1.0" encoding="utf-8"?>
+<p:sld xmlns:a="http://schemas.openxmlformats.org/drawingml/2006/main" xmlns:r="http://schemas.openxmlformats.org/officeDocument/2006/relationships" xmlns:p="http://schemas.openxmlformats.org/presentationml/2006/main">
+  <p:cSld>
+    <p:spTree>
+      <p:nvGrpSpPr>
+        <p:cNvPr id="1" name=""/>
+        <p:cNvGrpSpPr/>
+        <p:nvPr/>
+      </p:nvGrpSpPr>
+      <p:grpSpPr>
+        <a:xfrm>
+          <a:off x="0" y="0"/>
+          <a:ext cx="0" cy="0"/>
+          <a:chOff x="0" y="0"/>
+          <a:chExt cx="0" cy="0"/>
+        </a:xfrm>
+      </p:grpSpPr>
+      <p:sp>
+        <p:nvSpPr>
+          <p:cNvPr id="2" name="Title 1">
+            <a:extLst>
+              <a:ext uri="{FF2B5EF4-FFF2-40B4-BE49-F238E27FC236}">
+                <a16:creationId xmlns:a16="http://schemas.microsoft.com/office/drawing/2014/main" id="{A65141D0-DD43-4BF2-903E-FF94F44BCF8C}"/>
+              </a:ext>
+            </a:extLst>
+          </p:cNvPr>
+          <p:cNvSpPr>
+            <a:spLocks noGrp="1"/>
+          </p:cNvSpPr>
+          <p:nvPr>
+            <p:ph type="title"/>
+          </p:nvPr>
+        </p:nvSpPr>
+        <p:spPr/>
+        <p:txBody>
+          <a:bodyPr/>
+          <a:lstStyle/>
+          <a:p>
+            <a:r>
+              <a:rPr lang="en-US" dirty="0"/>
+              <a:t>Iterative Testing: Ensuring Software Quality</a:t>
+            </a:r>
+          </a:p>
+        </p:txBody>
+      </p:sp>
+      <p:sp>
+        <p:nvSpPr>
+          <p:cNvPr id="3" name="Content Placeholder 2">
+            <a:extLst>
+              <a:ext uri="{FF2B5EF4-FFF2-40B4-BE49-F238E27FC236}">
+                <a16:creationId xmlns:a16="http://schemas.microsoft.com/office/drawing/2014/main" id="{DDF9BD11-7029-42C4-B68D-8CC18077B61A}"/>
+              </a:ext>
+            </a:extLst>
+          </p:cNvPr>
+          <p:cNvSpPr>
+            <a:spLocks noGrp="1"/>
+          </p:cNvSpPr>
+          <p:nvPr>
+            <p:ph idx="1"/>
+          </p:nvPr>
+        </p:nvSpPr>
+        <p:spPr/>
+        <p:txBody>
+          <a:bodyPr/>
+          <a:lstStyle/>
+          <a:p>
+            <a:r>
+              <a:rPr lang="en-US" dirty="0"/>
+              <a:t>A Crucial Step in Software Development</a:t>
+            </a:r>
+          </a:p>
+          <a:p>
+            <a:pPr lvl="1"/>
+            <a:r>
+              <a:rPr lang="en-US" dirty="0"/>
+              <a:t>Testing is a critical aspect of software development</a:t>
+            </a:r>
+          </a:p>
+          <a:p>
+            <a:pPr lvl="1"/>
+            <a:r>
+              <a:rPr lang="en-US" dirty="0"/>
+              <a:t>Iterative testing ensures quality at every stage</a:t>
+            </a:r>
+          </a:p>
+          <a:p>
+            <a:pPr lvl="1"/>
+            <a:r>
+              <a:rPr lang="en-US" dirty="0"/>
+              <a:t>Established testing techniques provide a framework for success</a:t>
+            </a:r>
+          </a:p>
+          <a:p>
+            <a:endParaRPr lang="en-US" dirty="0"/>
+          </a:p>
+          <a:p>
+            <a:endParaRPr lang="en-US" dirty="0"/>
+          </a:p>
+        </p:txBody>
+      </p:sp>
+      <p:sp>
+        <p:nvSpPr>
+          <p:cNvPr id="4" name="Slide Number Placeholder 3">
+            <a:extLst>
+              <a:ext uri="{FF2B5EF4-FFF2-40B4-BE49-F238E27FC236}">
+                <a16:creationId xmlns:a16="http://schemas.microsoft.com/office/drawing/2014/main" id="{ADF683A2-2A98-4B26-944F-7728EEAA9390}"/>
+              </a:ext>
+            </a:extLst>
+          </p:cNvPr>
+          <p:cNvSpPr>
+            <a:spLocks noGrp="1"/>
+          </p:cNvSpPr>
+          <p:nvPr>
+            <p:ph type="sldNum" sz="quarter" idx="12"/>
+          </p:nvPr>
+        </p:nvSpPr>
+        <p:spPr/>
+        <p:txBody>
+          <a:bodyPr/>
+          <a:lstStyle/>
+          <a:p>
+            <a:fld id="{B8DACC02-A2BD-4578-8E03-6D891060A695}" type="slidenum">
+              <a:rPr lang="en-US" smtClean="0"/>
+              <a:pPr/>
+              <a:t>6</a:t>
+            </a:fld>
+            <a:endParaRPr lang="en-US" dirty="0"/>
+          </a:p>
+        </p:txBody>
+      </p:sp>
+      <p:pic>
+        <p:nvPicPr>
+          <p:cNvPr id="2050" name="Picture 2" descr="What is Iterative Model?">
+            <a:extLst>
+              <a:ext uri="{FF2B5EF4-FFF2-40B4-BE49-F238E27FC236}">
+                <a16:creationId xmlns:a16="http://schemas.microsoft.com/office/drawing/2014/main" id="{ABDC45EF-2A59-4E6B-9FC2-C899847340CE}"/>
+              </a:ext>
+            </a:extLst>
+          </p:cNvPr>
+          <p:cNvPicPr>
+            <a:picLocks noChangeAspect="1" noChangeArrowheads="1"/>
+          </p:cNvPicPr>
+          <p:nvPr/>
+        </p:nvPicPr>
+        <p:blipFill>
+          <a:blip r:embed="rId2">
+            <a:extLst>
+              <a:ext uri="{28A0092B-C50C-407E-A947-70E740481C1C}">
+                <a14:useLocalDpi xmlns:a14="http://schemas.microsoft.com/office/drawing/2010/main" val="0"/>
+              </a:ext>
+            </a:extLst>
+          </a:blip>
+          <a:srcRect/>
+          <a:stretch>
+            <a:fillRect/>
+          </a:stretch>
+        </p:blipFill>
+        <p:spPr bwMode="auto">
+          <a:xfrm>
+            <a:off x="6945821" y="3911600"/>
+            <a:ext cx="4371975" cy="2581275"/>
+          </a:xfrm>
+          <a:prstGeom prst="rect">
+            <a:avLst/>
+          </a:prstGeom>
+          <a:noFill/>
+          <a:extLst>
+            <a:ext uri="{909E8E84-426E-40DD-AFC4-6F175D3DCCD1}">
+              <a14:hiddenFill xmlns:a14="http://schemas.microsoft.com/office/drawing/2010/main">
+                <a:solidFill>
+                  <a:srgbClr val="FFFFFF"/>
+                </a:solidFill>
+              </a14:hiddenFill>
+            </a:ext>
+          </a:extLst>
+        </p:spPr>
+      </p:pic>
+    </p:spTree>
+    <p:extLst>
+      <p:ext uri="{BB962C8B-B14F-4D97-AF65-F5344CB8AC3E}">
+        <p14:creationId xmlns:p14="http://schemas.microsoft.com/office/powerpoint/2010/main" val="3953286606"/>
+      </p:ext>
+    </p:extLst>
+  </p:cSld>
+  <p:clrMapOvr>
+    <a:masterClrMapping/>
+  </p:clrMapOvr>
+</p:sld>
+</file>
+
+<file path=ppt/slides/slide7.xml><?xml version="1.0" encoding="utf-8"?>
+<p:sld xmlns:a="http://schemas.openxmlformats.org/drawingml/2006/main" xmlns:r="http://schemas.openxmlformats.org/officeDocument/2006/relationships" xmlns:p="http://schemas.openxmlformats.org/presentationml/2006/main">
+  <p:cSld>
+    <p:spTree>
+      <p:nvGrpSpPr>
+        <p:cNvPr id="1" name=""/>
+        <p:cNvGrpSpPr/>
+        <p:nvPr/>
+      </p:nvGrpSpPr>
+      <p:grpSpPr>
+        <a:xfrm>
+          <a:off x="0" y="0"/>
+          <a:ext cx="0" cy="0"/>
+          <a:chOff x="0" y="0"/>
+          <a:chExt cx="0" cy="0"/>
+        </a:xfrm>
+      </p:grpSpPr>
+      <p:sp>
+        <p:nvSpPr>
+          <p:cNvPr id="2" name="Title 1">
+            <a:extLst>
+              <a:ext uri="{FF2B5EF4-FFF2-40B4-BE49-F238E27FC236}">
+                <a16:creationId xmlns:a16="http://schemas.microsoft.com/office/drawing/2014/main" id="{B32F00B2-9D15-49AF-8C8C-D582589A68C3}"/>
+              </a:ext>
+            </a:extLst>
+          </p:cNvPr>
+          <p:cNvSpPr>
+            <a:spLocks noGrp="1"/>
+          </p:cNvSpPr>
+          <p:nvPr>
+            <p:ph type="title"/>
+          </p:nvPr>
+        </p:nvSpPr>
+        <p:spPr/>
+        <p:txBody>
+          <a:bodyPr/>
+          <a:lstStyle/>
+          <a:p>
+            <a:r>
+              <a:rPr lang="en-US" dirty="0"/>
+              <a:t>Improving Software Quality and Reducing Risk</a:t>
+            </a:r>
+          </a:p>
+        </p:txBody>
+      </p:sp>
+      <p:sp>
+        <p:nvSpPr>
+          <p:cNvPr id="3" name="Content Placeholder 2">
+            <a:extLst>
+              <a:ext uri="{FF2B5EF4-FFF2-40B4-BE49-F238E27FC236}">
+                <a16:creationId xmlns:a16="http://schemas.microsoft.com/office/drawing/2014/main" id="{17E806C3-7017-407A-AF4A-05AB31A02300}"/>
+              </a:ext>
+            </a:extLst>
+          </p:cNvPr>
+          <p:cNvSpPr>
+            <a:spLocks noGrp="1"/>
+          </p:cNvSpPr>
+          <p:nvPr>
+            <p:ph idx="1"/>
+          </p:nvPr>
+        </p:nvSpPr>
+        <p:spPr/>
+        <p:txBody>
+          <a:bodyPr/>
+          <a:lstStyle/>
+          <a:p>
+            <a:r>
+              <a:rPr lang="en-US" dirty="0"/>
+              <a:t>Identifies defects early, reducing the risk of downstream problems</a:t>
+            </a:r>
+          </a:p>
+          <a:p>
+            <a:r>
+              <a:rPr lang="en-US" dirty="0"/>
+              <a:t>Provides continuous feedback to developers, improving quality</a:t>
+            </a:r>
+          </a:p>
+          <a:p>
+            <a:r>
+              <a:rPr lang="en-US" dirty="0"/>
+              <a:t>Enables testing of complex systems in smaller, manageable parts</a:t>
+            </a:r>
+          </a:p>
+          <a:p>
+            <a:r>
+              <a:rPr lang="en-US" dirty="0"/>
+              <a:t>Reduces the likelihood of introducing major bugs or issues</a:t>
+            </a:r>
+          </a:p>
+          <a:p>
+            <a:r>
+              <a:rPr lang="en-US" dirty="0"/>
+              <a:t>Helps ensure that software meets user needs and expectations</a:t>
+            </a:r>
+          </a:p>
+          <a:p>
+            <a:endParaRPr lang="en-US" dirty="0"/>
+          </a:p>
+          <a:p>
+            <a:endParaRPr lang="en-US" dirty="0"/>
+          </a:p>
+        </p:txBody>
+      </p:sp>
+      <p:sp>
+        <p:nvSpPr>
+          <p:cNvPr id="4" name="Slide Number Placeholder 3">
+            <a:extLst>
+              <a:ext uri="{FF2B5EF4-FFF2-40B4-BE49-F238E27FC236}">
+                <a16:creationId xmlns:a16="http://schemas.microsoft.com/office/drawing/2014/main" id="{5E5F0B61-FD0A-4EDD-95DD-7C51155D356E}"/>
+              </a:ext>
+            </a:extLst>
+          </p:cNvPr>
+          <p:cNvSpPr>
+            <a:spLocks noGrp="1"/>
+          </p:cNvSpPr>
+          <p:nvPr>
+            <p:ph type="sldNum" sz="quarter" idx="12"/>
+          </p:nvPr>
+        </p:nvSpPr>
+        <p:spPr/>
+        <p:txBody>
+          <a:bodyPr/>
+          <a:lstStyle/>
+          <a:p>
+            <a:fld id="{B8DACC02-A2BD-4578-8E03-6D891060A695}" type="slidenum">
+              <a:rPr lang="en-US" smtClean="0"/>
+              <a:pPr/>
+              <a:t>7</a:t>
+            </a:fld>
+            <a:endParaRPr lang="en-US" dirty="0"/>
+          </a:p>
+        </p:txBody>
+      </p:sp>
+    </p:spTree>
+    <p:extLst>
+      <p:ext uri="{BB962C8B-B14F-4D97-AF65-F5344CB8AC3E}">
+        <p14:creationId xmlns:p14="http://schemas.microsoft.com/office/powerpoint/2010/main" val="63005155"/>
+      </p:ext>
+    </p:extLst>
+  </p:cSld>
+  <p:clrMapOvr>
+    <a:masterClrMapping/>
+  </p:clrMapOvr>
+</p:sld>
+</file>
+
+<file path=ppt/slides/slide8.xml><?xml version="1.0" encoding="utf-8"?>
+<p:sld xmlns:a="http://schemas.openxmlformats.org/drawingml/2006/main" xmlns:r="http://schemas.openxmlformats.org/officeDocument/2006/relationships" xmlns:p="http://schemas.openxmlformats.org/presentationml/2006/main">
+  <p:cSld>
+    <p:spTree>
+      <p:nvGrpSpPr>
+        <p:cNvPr id="1" name=""/>
+        <p:cNvGrpSpPr/>
+        <p:nvPr/>
+      </p:nvGrpSpPr>
+      <p:grpSpPr>
+        <a:xfrm>
+          <a:off x="0" y="0"/>
+          <a:ext cx="0" cy="0"/>
+          <a:chOff x="0" y="0"/>
+          <a:chExt cx="0" cy="0"/>
+        </a:xfrm>
+      </p:grpSpPr>
+      <p:sp>
+        <p:nvSpPr>
+          <p:cNvPr id="4" name="Slide Number Placeholder 3"/>
+          <p:cNvSpPr>
+            <a:spLocks noGrp="1"/>
+          </p:cNvSpPr>
+          <p:nvPr>
+            <p:ph type="sldNum" sz="quarter" idx="12"/>
+          </p:nvPr>
+        </p:nvSpPr>
+        <p:spPr/>
+        <p:txBody>
+          <a:bodyPr/>
+          <a:lstStyle/>
+          <a:p>
+            <a:fld id="{B8DACC02-A2BD-4578-8E03-6D891060A695}" type="slidenum">
+              <a:rPr lang="en-US" smtClean="0"/>
+              <a:pPr/>
+              <a:t>8</a:t>
             </a:fld>
             <a:endParaRPr lang="en-US" dirty="0"/>
           </a:p>
@@ -5317,7 +7002,7 @@
 </p:sld>
 </file>
 
-<file path=ppt/slides/slide5.xml><?xml version="1.0" encoding="utf-8"?>
+<file path=ppt/slides/slide9.xml><?xml version="1.0" encoding="utf-8"?>
 <p:sld xmlns:a="http://schemas.openxmlformats.org/drawingml/2006/main" xmlns:r="http://schemas.openxmlformats.org/officeDocument/2006/relationships" xmlns:p="http://schemas.openxmlformats.org/presentationml/2006/main">
   <p:cSld>
     <p:spTree>
@@ -5374,7 +7059,7 @@
             <a:fld id="{B8DACC02-A2BD-4578-8E03-6D891060A695}" type="slidenum">
               <a:rPr lang="en-US" smtClean="0"/>
               <a:pPr/>
-              <a:t>5</a:t>
+              <a:t>9</a:t>
             </a:fld>
             <a:endParaRPr lang="en-US" dirty="0"/>
           </a:p>
@@ -5429,496 +7114,6 @@
     <p:extLst>
       <p:ext uri="{BB962C8B-B14F-4D97-AF65-F5344CB8AC3E}">
         <p14:creationId xmlns:p14="http://schemas.microsoft.com/office/powerpoint/2010/main" val="1612887198"/>
-      </p:ext>
-    </p:extLst>
-  </p:cSld>
-  <p:clrMapOvr>
-    <a:masterClrMapping/>
-  </p:clrMapOvr>
-</p:sld>
-</file>
-
-<file path=ppt/slides/slide6.xml><?xml version="1.0" encoding="utf-8"?>
-<p:sld xmlns:a="http://schemas.openxmlformats.org/drawingml/2006/main" xmlns:r="http://schemas.openxmlformats.org/officeDocument/2006/relationships" xmlns:p="http://schemas.openxmlformats.org/presentationml/2006/main">
-  <p:cSld>
-    <p:spTree>
-      <p:nvGrpSpPr>
-        <p:cNvPr id="1" name=""/>
-        <p:cNvGrpSpPr/>
-        <p:nvPr/>
-      </p:nvGrpSpPr>
-      <p:grpSpPr>
-        <a:xfrm>
-          <a:off x="0" y="0"/>
-          <a:ext cx="0" cy="0"/>
-          <a:chOff x="0" y="0"/>
-          <a:chExt cx="0" cy="0"/>
-        </a:xfrm>
-      </p:grpSpPr>
-      <p:sp>
-        <p:nvSpPr>
-          <p:cNvPr id="2" name="Title 1"/>
-          <p:cNvSpPr>
-            <a:spLocks noGrp="1"/>
-          </p:cNvSpPr>
-          <p:nvPr>
-            <p:ph type="title"/>
-          </p:nvPr>
-        </p:nvSpPr>
-        <p:spPr/>
-        <p:txBody>
-          <a:bodyPr/>
-          <a:lstStyle/>
-          <a:p>
-            <a:r>
-              <a:rPr lang="en-US" dirty="0"/>
-              <a:t>Test Planning and Design</a:t>
-            </a:r>
-          </a:p>
-        </p:txBody>
-      </p:sp>
-      <p:sp>
-        <p:nvSpPr>
-          <p:cNvPr id="3" name="Content Placeholder 2"/>
-          <p:cNvSpPr>
-            <a:spLocks noGrp="1"/>
-          </p:cNvSpPr>
-          <p:nvPr>
-            <p:ph idx="1"/>
-          </p:nvPr>
-        </p:nvSpPr>
-        <p:spPr/>
-        <p:txBody>
-          <a:bodyPr/>
-          <a:lstStyle/>
-          <a:p>
-            <a:r>
-              <a:rPr lang="en-US" dirty="0"/>
-              <a:t>Test plan</a:t>
-            </a:r>
-          </a:p>
-          <a:p>
-            <a:r>
-              <a:rPr lang="en-US" dirty="0"/>
-              <a:t>Test case</a:t>
-            </a:r>
-          </a:p>
-          <a:p>
-            <a:r>
-              <a:rPr lang="en-US" dirty="0"/>
-              <a:t>Test script</a:t>
-            </a:r>
-          </a:p>
-          <a:p>
-            <a:r>
-              <a:rPr lang="en-US" dirty="0"/>
-              <a:t>Test scenario</a:t>
-            </a:r>
-          </a:p>
-          <a:p>
-            <a:r>
-              <a:rPr lang="en-US" dirty="0"/>
-              <a:t>Test suite</a:t>
-            </a:r>
-          </a:p>
-        </p:txBody>
-      </p:sp>
-      <p:sp>
-        <p:nvSpPr>
-          <p:cNvPr id="4" name="Slide Number Placeholder 3"/>
-          <p:cNvSpPr>
-            <a:spLocks noGrp="1"/>
-          </p:cNvSpPr>
-          <p:nvPr>
-            <p:ph type="sldNum" sz="quarter" idx="12"/>
-          </p:nvPr>
-        </p:nvSpPr>
-        <p:spPr/>
-        <p:txBody>
-          <a:bodyPr/>
-          <a:lstStyle/>
-          <a:p>
-            <a:fld id="{B8DACC02-A2BD-4578-8E03-6D891060A695}" type="slidenum">
-              <a:rPr lang="en-US" smtClean="0"/>
-              <a:pPr/>
-              <a:t>6</a:t>
-            </a:fld>
-            <a:endParaRPr lang="en-US" dirty="0"/>
-          </a:p>
-        </p:txBody>
-      </p:sp>
-    </p:spTree>
-    <p:extLst>
-      <p:ext uri="{BB962C8B-B14F-4D97-AF65-F5344CB8AC3E}">
-        <p14:creationId xmlns:p14="http://schemas.microsoft.com/office/powerpoint/2010/main" val="1699242269"/>
-      </p:ext>
-    </p:extLst>
-  </p:cSld>
-  <p:clrMapOvr>
-    <a:masterClrMapping/>
-  </p:clrMapOvr>
-</p:sld>
-</file>
-
-<file path=ppt/slides/slide7.xml><?xml version="1.0" encoding="utf-8"?>
-<p:sld xmlns:a="http://schemas.openxmlformats.org/drawingml/2006/main" xmlns:r="http://schemas.openxmlformats.org/officeDocument/2006/relationships" xmlns:p="http://schemas.openxmlformats.org/presentationml/2006/main">
-  <p:cSld>
-    <p:spTree>
-      <p:nvGrpSpPr>
-        <p:cNvPr id="1" name=""/>
-        <p:cNvGrpSpPr/>
-        <p:nvPr/>
-      </p:nvGrpSpPr>
-      <p:grpSpPr>
-        <a:xfrm>
-          <a:off x="0" y="0"/>
-          <a:ext cx="0" cy="0"/>
-          <a:chOff x="0" y="0"/>
-          <a:chExt cx="0" cy="0"/>
-        </a:xfrm>
-      </p:grpSpPr>
-      <p:sp>
-        <p:nvSpPr>
-          <p:cNvPr id="2" name="Title 1"/>
-          <p:cNvSpPr>
-            <a:spLocks noGrp="1"/>
-          </p:cNvSpPr>
-          <p:nvPr>
-            <p:ph type="title"/>
-          </p:nvPr>
-        </p:nvSpPr>
-        <p:spPr/>
-        <p:txBody>
-          <a:bodyPr/>
-          <a:lstStyle/>
-          <a:p>
-            <a:r>
-              <a:rPr lang="en-US" dirty="0"/>
-              <a:t>Important Concepts</a:t>
-            </a:r>
-          </a:p>
-        </p:txBody>
-      </p:sp>
-      <p:sp>
-        <p:nvSpPr>
-          <p:cNvPr id="3" name="Content Placeholder 2"/>
-          <p:cNvSpPr>
-            <a:spLocks noGrp="1"/>
-          </p:cNvSpPr>
-          <p:nvPr>
-            <p:ph idx="1"/>
-          </p:nvPr>
-        </p:nvSpPr>
-        <p:spPr/>
-        <p:txBody>
-          <a:bodyPr/>
-          <a:lstStyle/>
-          <a:p>
-            <a:r>
-              <a:rPr lang="en-US" dirty="0"/>
-              <a:t>Test Data Management</a:t>
-            </a:r>
-          </a:p>
-          <a:p>
-            <a:r>
-              <a:rPr lang="en-US" dirty="0"/>
-              <a:t>Test Automation</a:t>
-            </a:r>
-          </a:p>
-          <a:p>
-            <a:r>
-              <a:rPr lang="en-US" dirty="0"/>
-              <a:t>Testing Challenges and Strategies</a:t>
-            </a:r>
-          </a:p>
-          <a:p>
-            <a:pPr lvl="1"/>
-            <a:r>
-              <a:rPr lang="en-US" dirty="0"/>
-              <a:t>Challenges in testing (e.g. time constraints, complex systems, etc.)</a:t>
-            </a:r>
-          </a:p>
-          <a:p>
-            <a:pPr lvl="1"/>
-            <a:r>
-              <a:rPr lang="en-US" dirty="0"/>
-              <a:t>Strategies for addressing testing challenges (e.g. risk-based testing, testing in Agile, etc.)</a:t>
-            </a:r>
-          </a:p>
-          <a:p>
-            <a:r>
-              <a:rPr lang="en-US" dirty="0"/>
-              <a:t>Testing for Security and Performance</a:t>
-            </a:r>
-          </a:p>
-          <a:p>
-            <a:r>
-              <a:rPr lang="en-US" dirty="0"/>
-              <a:t>Testing Metrics and Analysis</a:t>
-            </a:r>
-          </a:p>
-          <a:p>
-            <a:r>
-              <a:rPr lang="en-US" dirty="0"/>
-              <a:t>Best Practices for Testing</a:t>
-            </a:r>
-          </a:p>
-        </p:txBody>
-      </p:sp>
-      <p:sp>
-        <p:nvSpPr>
-          <p:cNvPr id="4" name="Slide Number Placeholder 3"/>
-          <p:cNvSpPr>
-            <a:spLocks noGrp="1"/>
-          </p:cNvSpPr>
-          <p:nvPr>
-            <p:ph type="sldNum" sz="quarter" idx="12"/>
-          </p:nvPr>
-        </p:nvSpPr>
-        <p:spPr/>
-        <p:txBody>
-          <a:bodyPr/>
-          <a:lstStyle/>
-          <a:p>
-            <a:fld id="{B8DACC02-A2BD-4578-8E03-6D891060A695}" type="slidenum">
-              <a:rPr lang="en-US" smtClean="0"/>
-              <a:pPr/>
-              <a:t>7</a:t>
-            </a:fld>
-            <a:endParaRPr lang="en-US" dirty="0"/>
-          </a:p>
-        </p:txBody>
-      </p:sp>
-    </p:spTree>
-    <p:extLst>
-      <p:ext uri="{BB962C8B-B14F-4D97-AF65-F5344CB8AC3E}">
-        <p14:creationId xmlns:p14="http://schemas.microsoft.com/office/powerpoint/2010/main" val="1712929932"/>
-      </p:ext>
-    </p:extLst>
-  </p:cSld>
-  <p:clrMapOvr>
-    <a:masterClrMapping/>
-  </p:clrMapOvr>
-</p:sld>
-</file>
-
-<file path=ppt/slides/slide8.xml><?xml version="1.0" encoding="utf-8"?>
-<p:sld xmlns:a="http://schemas.openxmlformats.org/drawingml/2006/main" xmlns:r="http://schemas.openxmlformats.org/officeDocument/2006/relationships" xmlns:p="http://schemas.openxmlformats.org/presentationml/2006/main">
-  <p:cSld>
-    <p:spTree>
-      <p:nvGrpSpPr>
-        <p:cNvPr id="1" name=""/>
-        <p:cNvGrpSpPr/>
-        <p:nvPr/>
-      </p:nvGrpSpPr>
-      <p:grpSpPr>
-        <a:xfrm>
-          <a:off x="0" y="0"/>
-          <a:ext cx="0" cy="0"/>
-          <a:chOff x="0" y="0"/>
-          <a:chExt cx="0" cy="0"/>
-        </a:xfrm>
-      </p:grpSpPr>
-      <p:sp>
-        <p:nvSpPr>
-          <p:cNvPr id="2" name="Title 1"/>
-          <p:cNvSpPr>
-            <a:spLocks noGrp="1"/>
-          </p:cNvSpPr>
-          <p:nvPr>
-            <p:ph type="title"/>
-          </p:nvPr>
-        </p:nvSpPr>
-        <p:spPr/>
-        <p:txBody>
-          <a:bodyPr/>
-          <a:lstStyle/>
-          <a:p>
-            <a:r>
-              <a:rPr lang="en-US" dirty="0"/>
-              <a:t>Testing in Agile</a:t>
-            </a:r>
-          </a:p>
-        </p:txBody>
-      </p:sp>
-      <p:sp>
-        <p:nvSpPr>
-          <p:cNvPr id="3" name="Content Placeholder 2"/>
-          <p:cNvSpPr>
-            <a:spLocks noGrp="1"/>
-          </p:cNvSpPr>
-          <p:nvPr>
-            <p:ph idx="1"/>
-          </p:nvPr>
-        </p:nvSpPr>
-        <p:spPr/>
-        <p:txBody>
-          <a:bodyPr/>
-          <a:lstStyle/>
-          <a:p>
-            <a:r>
-              <a:rPr lang="en-US" dirty="0"/>
-              <a:t>Role of testing in Agile development</a:t>
-            </a:r>
-          </a:p>
-          <a:p>
-            <a:r>
-              <a:rPr lang="en-US" dirty="0"/>
-              <a:t>Testing in Agile environments</a:t>
-            </a:r>
-          </a:p>
-          <a:p>
-            <a:r>
-              <a:rPr lang="en-US" dirty="0"/>
-              <a:t>Acceptance Test-Driven Development (ATDD)</a:t>
-            </a:r>
-          </a:p>
-        </p:txBody>
-      </p:sp>
-      <p:sp>
-        <p:nvSpPr>
-          <p:cNvPr id="4" name="Slide Number Placeholder 3"/>
-          <p:cNvSpPr>
-            <a:spLocks noGrp="1"/>
-          </p:cNvSpPr>
-          <p:nvPr>
-            <p:ph type="sldNum" sz="quarter" idx="12"/>
-          </p:nvPr>
-        </p:nvSpPr>
-        <p:spPr/>
-        <p:txBody>
-          <a:bodyPr/>
-          <a:lstStyle/>
-          <a:p>
-            <a:fld id="{B8DACC02-A2BD-4578-8E03-6D891060A695}" type="slidenum">
-              <a:rPr lang="en-US" smtClean="0"/>
-              <a:pPr/>
-              <a:t>8</a:t>
-            </a:fld>
-            <a:endParaRPr lang="en-US" dirty="0"/>
-          </a:p>
-        </p:txBody>
-      </p:sp>
-    </p:spTree>
-    <p:extLst>
-      <p:ext uri="{BB962C8B-B14F-4D97-AF65-F5344CB8AC3E}">
-        <p14:creationId xmlns:p14="http://schemas.microsoft.com/office/powerpoint/2010/main" val="4229945762"/>
-      </p:ext>
-    </p:extLst>
-  </p:cSld>
-  <p:clrMapOvr>
-    <a:masterClrMapping/>
-  </p:clrMapOvr>
-</p:sld>
-</file>
-
-<file path=ppt/slides/slide9.xml><?xml version="1.0" encoding="utf-8"?>
-<p:sld xmlns:a="http://schemas.openxmlformats.org/drawingml/2006/main" xmlns:r="http://schemas.openxmlformats.org/officeDocument/2006/relationships" xmlns:p="http://schemas.openxmlformats.org/presentationml/2006/main">
-  <p:cSld>
-    <p:spTree>
-      <p:nvGrpSpPr>
-        <p:cNvPr id="1" name=""/>
-        <p:cNvGrpSpPr/>
-        <p:nvPr/>
-      </p:nvGrpSpPr>
-      <p:grpSpPr>
-        <a:xfrm>
-          <a:off x="0" y="0"/>
-          <a:ext cx="0" cy="0"/>
-          <a:chOff x="0" y="0"/>
-          <a:chExt cx="0" cy="0"/>
-        </a:xfrm>
-      </p:grpSpPr>
-      <p:sp>
-        <p:nvSpPr>
-          <p:cNvPr id="2" name="Title 1"/>
-          <p:cNvSpPr>
-            <a:spLocks noGrp="1"/>
-          </p:cNvSpPr>
-          <p:nvPr>
-            <p:ph type="title"/>
-          </p:nvPr>
-        </p:nvSpPr>
-        <p:spPr/>
-        <p:txBody>
-          <a:bodyPr/>
-          <a:lstStyle/>
-          <a:p>
-            <a:r>
-              <a:rPr lang="en-US" dirty="0"/>
-              <a:t>Role of Testing in Agile Development</a:t>
-            </a:r>
-          </a:p>
-        </p:txBody>
-      </p:sp>
-      <p:sp>
-        <p:nvSpPr>
-          <p:cNvPr id="3" name="Content Placeholder 2"/>
-          <p:cNvSpPr>
-            <a:spLocks noGrp="1"/>
-          </p:cNvSpPr>
-          <p:nvPr>
-            <p:ph idx="1"/>
-          </p:nvPr>
-        </p:nvSpPr>
-        <p:spPr/>
-        <p:txBody>
-          <a:bodyPr/>
-          <a:lstStyle/>
-          <a:p>
-            <a:r>
-              <a:rPr lang="en-US" dirty="0"/>
-              <a:t>Testing plays a crucial role in Agile development by ensuring the quality and functionality of the software.</a:t>
-            </a:r>
-          </a:p>
-          <a:p>
-            <a:r>
-              <a:rPr lang="en-US" dirty="0"/>
-              <a:t>Testing is integrated throughout the development process, rather than being a separate phase at the end.</a:t>
-            </a:r>
-          </a:p>
-          <a:p>
-            <a:r>
-              <a:rPr lang="en-US" dirty="0"/>
-              <a:t>It helps identify defects early, enabling quick feedback and timely corrective actions.</a:t>
-            </a:r>
-          </a:p>
-          <a:p>
-            <a:r>
-              <a:rPr lang="en-US" dirty="0"/>
-              <a:t>Testers collaborate closely with developers, product owners, and other team members to ensure effective testing.</a:t>
-            </a:r>
-          </a:p>
-        </p:txBody>
-      </p:sp>
-      <p:sp>
-        <p:nvSpPr>
-          <p:cNvPr id="4" name="Slide Number Placeholder 3"/>
-          <p:cNvSpPr>
-            <a:spLocks noGrp="1"/>
-          </p:cNvSpPr>
-          <p:nvPr>
-            <p:ph type="sldNum" sz="quarter" idx="12"/>
-          </p:nvPr>
-        </p:nvSpPr>
-        <p:spPr/>
-        <p:txBody>
-          <a:bodyPr/>
-          <a:lstStyle/>
-          <a:p>
-            <a:fld id="{B8DACC02-A2BD-4578-8E03-6D891060A695}" type="slidenum">
-              <a:rPr lang="en-US" smtClean="0"/>
-              <a:pPr/>
-              <a:t>9</a:t>
-            </a:fld>
-            <a:endParaRPr lang="en-US" dirty="0"/>
-          </a:p>
-        </p:txBody>
-      </p:sp>
-    </p:spTree>
-    <p:extLst>
-      <p:ext uri="{BB962C8B-B14F-4D97-AF65-F5344CB8AC3E}">
-        <p14:creationId xmlns:p14="http://schemas.microsoft.com/office/powerpoint/2010/main" val="4179988991"/>
       </p:ext>
     </p:extLst>
   </p:cSld>
